--- a/images/theory_analysis/MySQL_Replication/MySQL_Replication.pptx
+++ b/images/theory_analysis/MySQL_Replication/MySQL_Replication.pptx
@@ -215,7 +215,7 @@
           <a:p>
             <a:fld id="{6CD5550B-26C4-49A9-A5BA-636EF7BE6CE9}" type="datetimeFigureOut">
               <a:rPr lang="ko-KR" altLang="en-US" smtClean="0"/>
-              <a:t>2018-12-13</a:t>
+              <a:t>2018-12-14</a:t>
             </a:fld>
             <a:endParaRPr lang="ko-KR" altLang="en-US"/>
           </a:p>
@@ -913,7 +913,7 @@
           <a:p>
             <a:fld id="{FB30EDBD-1C2D-4C1E-B459-B60219FAB484}" type="datetimeFigureOut">
               <a:rPr lang="ko-KR" altLang="en-US" smtClean="0"/>
-              <a:t>2018-12-13</a:t>
+              <a:t>2018-12-14</a:t>
             </a:fld>
             <a:endParaRPr lang="ko-KR" altLang="en-US"/>
           </a:p>
@@ -1076,7 +1076,7 @@
           <a:p>
             <a:fld id="{FB30EDBD-1C2D-4C1E-B459-B60219FAB484}" type="datetimeFigureOut">
               <a:rPr lang="ko-KR" altLang="en-US" smtClean="0"/>
-              <a:t>2018-12-13</a:t>
+              <a:t>2018-12-14</a:t>
             </a:fld>
             <a:endParaRPr lang="ko-KR" altLang="en-US"/>
           </a:p>
@@ -1249,7 +1249,7 @@
           <a:p>
             <a:fld id="{FB30EDBD-1C2D-4C1E-B459-B60219FAB484}" type="datetimeFigureOut">
               <a:rPr lang="ko-KR" altLang="en-US" smtClean="0"/>
-              <a:t>2018-12-13</a:t>
+              <a:t>2018-12-14</a:t>
             </a:fld>
             <a:endParaRPr lang="ko-KR" altLang="en-US"/>
           </a:p>
@@ -1412,7 +1412,7 @@
           <a:p>
             <a:fld id="{FB30EDBD-1C2D-4C1E-B459-B60219FAB484}" type="datetimeFigureOut">
               <a:rPr lang="ko-KR" altLang="en-US" smtClean="0"/>
-              <a:t>2018-12-13</a:t>
+              <a:t>2018-12-14</a:t>
             </a:fld>
             <a:endParaRPr lang="ko-KR" altLang="en-US"/>
           </a:p>
@@ -1652,7 +1652,7 @@
           <a:p>
             <a:fld id="{FB30EDBD-1C2D-4C1E-B459-B60219FAB484}" type="datetimeFigureOut">
               <a:rPr lang="ko-KR" altLang="en-US" smtClean="0"/>
-              <a:t>2018-12-13</a:t>
+              <a:t>2018-12-14</a:t>
             </a:fld>
             <a:endParaRPr lang="ko-KR" altLang="en-US"/>
           </a:p>
@@ -1932,7 +1932,7 @@
           <a:p>
             <a:fld id="{FB30EDBD-1C2D-4C1E-B459-B60219FAB484}" type="datetimeFigureOut">
               <a:rPr lang="ko-KR" altLang="en-US" smtClean="0"/>
-              <a:t>2018-12-13</a:t>
+              <a:t>2018-12-14</a:t>
             </a:fld>
             <a:endParaRPr lang="ko-KR" altLang="en-US"/>
           </a:p>
@@ -2346,7 +2346,7 @@
           <a:p>
             <a:fld id="{FB30EDBD-1C2D-4C1E-B459-B60219FAB484}" type="datetimeFigureOut">
               <a:rPr lang="ko-KR" altLang="en-US" smtClean="0"/>
-              <a:t>2018-12-13</a:t>
+              <a:t>2018-12-14</a:t>
             </a:fld>
             <a:endParaRPr lang="ko-KR" altLang="en-US"/>
           </a:p>
@@ -2458,7 +2458,7 @@
           <a:p>
             <a:fld id="{FB30EDBD-1C2D-4C1E-B459-B60219FAB484}" type="datetimeFigureOut">
               <a:rPr lang="ko-KR" altLang="en-US" smtClean="0"/>
-              <a:t>2018-12-13</a:t>
+              <a:t>2018-12-14</a:t>
             </a:fld>
             <a:endParaRPr lang="ko-KR" altLang="en-US"/>
           </a:p>
@@ -2548,7 +2548,7 @@
           <a:p>
             <a:fld id="{FB30EDBD-1C2D-4C1E-B459-B60219FAB484}" type="datetimeFigureOut">
               <a:rPr lang="ko-KR" altLang="en-US" smtClean="0"/>
-              <a:t>2018-12-13</a:t>
+              <a:t>2018-12-14</a:t>
             </a:fld>
             <a:endParaRPr lang="ko-KR" altLang="en-US"/>
           </a:p>
@@ -2818,7 +2818,7 @@
           <a:p>
             <a:fld id="{FB30EDBD-1C2D-4C1E-B459-B60219FAB484}" type="datetimeFigureOut">
               <a:rPr lang="ko-KR" altLang="en-US" smtClean="0"/>
-              <a:t>2018-12-13</a:t>
+              <a:t>2018-12-14</a:t>
             </a:fld>
             <a:endParaRPr lang="ko-KR" altLang="en-US"/>
           </a:p>
@@ -3065,7 +3065,7 @@
           <a:p>
             <a:fld id="{FB30EDBD-1C2D-4C1E-B459-B60219FAB484}" type="datetimeFigureOut">
               <a:rPr lang="ko-KR" altLang="en-US" smtClean="0"/>
-              <a:t>2018-12-13</a:t>
+              <a:t>2018-12-14</a:t>
             </a:fld>
             <a:endParaRPr lang="ko-KR" altLang="en-US"/>
           </a:p>
@@ -3271,7 +3271,7 @@
           <a:p>
             <a:fld id="{FB30EDBD-1C2D-4C1E-B459-B60219FAB484}" type="datetimeFigureOut">
               <a:rPr lang="ko-KR" altLang="en-US" smtClean="0"/>
-              <a:t>2018-12-13</a:t>
+              <a:t>2018-12-14</a:t>
             </a:fld>
             <a:endParaRPr lang="ko-KR" altLang="en-US"/>
           </a:p>
@@ -3798,7 +3798,7 @@
         <p:spPr>
           <a:xfrm>
             <a:off x="4622062" y="1477839"/>
-            <a:ext cx="0" cy="2318047"/>
+            <a:ext cx="0" cy="1958007"/>
           </a:xfrm>
           <a:prstGeom prst="line">
             <a:avLst/>
@@ -3842,7 +3842,7 @@
         <p:spPr>
           <a:xfrm>
             <a:off x="3058065" y="1477839"/>
-            <a:ext cx="0" cy="2318047"/>
+            <a:ext cx="0" cy="1958007"/>
           </a:xfrm>
           <a:prstGeom prst="line">
             <a:avLst/>
@@ -4108,7 +4108,7 @@
         <p:spPr>
           <a:xfrm>
             <a:off x="6180026" y="1477839"/>
-            <a:ext cx="0" cy="2318047"/>
+            <a:ext cx="0" cy="1958007"/>
           </a:xfrm>
           <a:prstGeom prst="line">
             <a:avLst/>

--- a/images/theory_analysis/MySQL_Replication/MySQL_Replication.pptx
+++ b/images/theory_analysis/MySQL_Replication/MySQL_Replication.pptx
@@ -219,7 +219,7 @@
           <a:p>
             <a:fld id="{6CD5550B-26C4-49A9-A5BA-636EF7BE6CE9}" type="datetimeFigureOut">
               <a:rPr lang="ko-KR" altLang="en-US" smtClean="0"/>
-              <a:t>2018-12-19</a:t>
+              <a:t>2019-01-16</a:t>
             </a:fld>
             <a:endParaRPr lang="ko-KR" altLang="en-US"/>
           </a:p>
@@ -1253,7 +1253,7 @@
           <a:p>
             <a:fld id="{FB30EDBD-1C2D-4C1E-B459-B60219FAB484}" type="datetimeFigureOut">
               <a:rPr lang="ko-KR" altLang="en-US" smtClean="0"/>
-              <a:t>2018-12-19</a:t>
+              <a:t>2019-01-16</a:t>
             </a:fld>
             <a:endParaRPr lang="ko-KR" altLang="en-US"/>
           </a:p>
@@ -1416,7 +1416,7 @@
           <a:p>
             <a:fld id="{FB30EDBD-1C2D-4C1E-B459-B60219FAB484}" type="datetimeFigureOut">
               <a:rPr lang="ko-KR" altLang="en-US" smtClean="0"/>
-              <a:t>2018-12-19</a:t>
+              <a:t>2019-01-16</a:t>
             </a:fld>
             <a:endParaRPr lang="ko-KR" altLang="en-US"/>
           </a:p>
@@ -1589,7 +1589,7 @@
           <a:p>
             <a:fld id="{FB30EDBD-1C2D-4C1E-B459-B60219FAB484}" type="datetimeFigureOut">
               <a:rPr lang="ko-KR" altLang="en-US" smtClean="0"/>
-              <a:t>2018-12-19</a:t>
+              <a:t>2019-01-16</a:t>
             </a:fld>
             <a:endParaRPr lang="ko-KR" altLang="en-US"/>
           </a:p>
@@ -1752,7 +1752,7 @@
           <a:p>
             <a:fld id="{FB30EDBD-1C2D-4C1E-B459-B60219FAB484}" type="datetimeFigureOut">
               <a:rPr lang="ko-KR" altLang="en-US" smtClean="0"/>
-              <a:t>2018-12-19</a:t>
+              <a:t>2019-01-16</a:t>
             </a:fld>
             <a:endParaRPr lang="ko-KR" altLang="en-US"/>
           </a:p>
@@ -1992,7 +1992,7 @@
           <a:p>
             <a:fld id="{FB30EDBD-1C2D-4C1E-B459-B60219FAB484}" type="datetimeFigureOut">
               <a:rPr lang="ko-KR" altLang="en-US" smtClean="0"/>
-              <a:t>2018-12-19</a:t>
+              <a:t>2019-01-16</a:t>
             </a:fld>
             <a:endParaRPr lang="ko-KR" altLang="en-US"/>
           </a:p>
@@ -2272,7 +2272,7 @@
           <a:p>
             <a:fld id="{FB30EDBD-1C2D-4C1E-B459-B60219FAB484}" type="datetimeFigureOut">
               <a:rPr lang="ko-KR" altLang="en-US" smtClean="0"/>
-              <a:t>2018-12-19</a:t>
+              <a:t>2019-01-16</a:t>
             </a:fld>
             <a:endParaRPr lang="ko-KR" altLang="en-US"/>
           </a:p>
@@ -2686,7 +2686,7 @@
           <a:p>
             <a:fld id="{FB30EDBD-1C2D-4C1E-B459-B60219FAB484}" type="datetimeFigureOut">
               <a:rPr lang="ko-KR" altLang="en-US" smtClean="0"/>
-              <a:t>2018-12-19</a:t>
+              <a:t>2019-01-16</a:t>
             </a:fld>
             <a:endParaRPr lang="ko-KR" altLang="en-US"/>
           </a:p>
@@ -2798,7 +2798,7 @@
           <a:p>
             <a:fld id="{FB30EDBD-1C2D-4C1E-B459-B60219FAB484}" type="datetimeFigureOut">
               <a:rPr lang="ko-KR" altLang="en-US" smtClean="0"/>
-              <a:t>2018-12-19</a:t>
+              <a:t>2019-01-16</a:t>
             </a:fld>
             <a:endParaRPr lang="ko-KR" altLang="en-US"/>
           </a:p>
@@ -2888,7 +2888,7 @@
           <a:p>
             <a:fld id="{FB30EDBD-1C2D-4C1E-B459-B60219FAB484}" type="datetimeFigureOut">
               <a:rPr lang="ko-KR" altLang="en-US" smtClean="0"/>
-              <a:t>2018-12-19</a:t>
+              <a:t>2019-01-16</a:t>
             </a:fld>
             <a:endParaRPr lang="ko-KR" altLang="en-US"/>
           </a:p>
@@ -3158,7 +3158,7 @@
           <a:p>
             <a:fld id="{FB30EDBD-1C2D-4C1E-B459-B60219FAB484}" type="datetimeFigureOut">
               <a:rPr lang="ko-KR" altLang="en-US" smtClean="0"/>
-              <a:t>2018-12-19</a:t>
+              <a:t>2019-01-16</a:t>
             </a:fld>
             <a:endParaRPr lang="ko-KR" altLang="en-US"/>
           </a:p>
@@ -3405,7 +3405,7 @@
           <a:p>
             <a:fld id="{FB30EDBD-1C2D-4C1E-B459-B60219FAB484}" type="datetimeFigureOut">
               <a:rPr lang="ko-KR" altLang="en-US" smtClean="0"/>
-              <a:t>2018-12-19</a:t>
+              <a:t>2019-01-16</a:t>
             </a:fld>
             <a:endParaRPr lang="ko-KR" altLang="en-US"/>
           </a:p>
@@ -3611,7 +3611,7 @@
           <a:p>
             <a:fld id="{FB30EDBD-1C2D-4C1E-B459-B60219FAB484}" type="datetimeFigureOut">
               <a:rPr lang="ko-KR" altLang="en-US" smtClean="0"/>
-              <a:t>2018-12-19</a:t>
+              <a:t>2019-01-16</a:t>
             </a:fld>
             <a:endParaRPr lang="ko-KR" altLang="en-US"/>
           </a:p>
@@ -4922,7 +4922,7 @@
         </p:nvSpPr>
         <p:spPr>
           <a:xfrm>
-            <a:off x="4119773" y="1491630"/>
+            <a:off x="4181112" y="1203598"/>
             <a:ext cx="1004578" cy="346249"/>
           </a:xfrm>
           <a:prstGeom prst="rect">
@@ -4959,7 +4959,7 @@
         </p:nvSpPr>
         <p:spPr>
           <a:xfrm>
-            <a:off x="2555776" y="1491630"/>
+            <a:off x="2617115" y="1203598"/>
             <a:ext cx="1004578" cy="346249"/>
           </a:xfrm>
           <a:prstGeom prst="rect">
@@ -4996,7 +4996,7 @@
         </p:nvSpPr>
         <p:spPr>
           <a:xfrm>
-            <a:off x="5677737" y="1491630"/>
+            <a:off x="5739076" y="1203598"/>
             <a:ext cx="1004578" cy="346249"/>
           </a:xfrm>
           <a:prstGeom prst="rect">
@@ -5036,8 +5036,8 @@
         </p:nvCxnSpPr>
         <p:spPr>
           <a:xfrm>
-            <a:off x="4622062" y="1837879"/>
-            <a:ext cx="0" cy="2174031"/>
+            <a:off x="4683401" y="1549847"/>
+            <a:ext cx="0" cy="2606079"/>
           </a:xfrm>
           <a:prstGeom prst="line">
             <a:avLst/>
@@ -5080,8 +5080,8 @@
         </p:nvCxnSpPr>
         <p:spPr>
           <a:xfrm>
-            <a:off x="3058065" y="1837879"/>
-            <a:ext cx="0" cy="2123166"/>
+            <a:off x="3119404" y="1549847"/>
+            <a:ext cx="0" cy="2606079"/>
           </a:xfrm>
           <a:prstGeom prst="line">
             <a:avLst/>
@@ -5123,7 +5123,7 @@
         </p:nvCxnSpPr>
         <p:spPr>
           <a:xfrm>
-            <a:off x="3058065" y="2113587"/>
+            <a:off x="3119404" y="1825555"/>
             <a:ext cx="1563997" cy="0"/>
           </a:xfrm>
           <a:prstGeom prst="line">
@@ -5166,7 +5166,7 @@
         </p:nvSpPr>
         <p:spPr>
           <a:xfrm>
-            <a:off x="3484805" y="1903390"/>
+            <a:off x="3546144" y="1615358"/>
             <a:ext cx="736723" cy="206460"/>
           </a:xfrm>
           <a:prstGeom prst="rect">
@@ -5203,7 +5203,7 @@
         </p:nvSpPr>
         <p:spPr>
           <a:xfrm>
-            <a:off x="4622006" y="2291659"/>
+            <a:off x="4683345" y="2003627"/>
             <a:ext cx="273050" cy="252830"/>
           </a:xfrm>
           <a:custGeom>
@@ -5299,7 +5299,7 @@
         </p:nvSpPr>
         <p:spPr>
           <a:xfrm>
-            <a:off x="4895057" y="2218260"/>
+            <a:off x="4956396" y="1930228"/>
             <a:ext cx="1046864" cy="407804"/>
           </a:xfrm>
           <a:prstGeom prst="rect">
@@ -5323,7 +5323,7 @@
             <a:pPr algn="ctr"/>
             <a:r>
               <a:rPr lang="en-US" altLang="ko-KR" sz="1100"/>
-              <a:t>&amp; Bin log </a:t>
+              <a:t>&amp; Bin Log </a:t>
             </a:r>
             <a:endParaRPr lang="ko-KR" altLang="en-US" sz="1100" dirty="0"/>
           </a:p>
@@ -5346,8 +5346,8 @@
         </p:nvCxnSpPr>
         <p:spPr>
           <a:xfrm>
-            <a:off x="6180026" y="1837879"/>
-            <a:ext cx="0" cy="2174031"/>
+            <a:off x="6241365" y="1549847"/>
+            <a:ext cx="0" cy="2606079"/>
           </a:xfrm>
           <a:prstGeom prst="line">
             <a:avLst/>
@@ -5389,7 +5389,7 @@
         </p:nvCxnSpPr>
         <p:spPr>
           <a:xfrm>
-            <a:off x="4624388" y="2847053"/>
+            <a:off x="4685727" y="2992673"/>
             <a:ext cx="1555638" cy="0"/>
           </a:xfrm>
           <a:prstGeom prst="line">
@@ -5432,8 +5432,8 @@
         </p:nvSpPr>
         <p:spPr>
           <a:xfrm>
-            <a:off x="4652172" y="2642154"/>
-            <a:ext cx="1477570" cy="206460"/>
+            <a:off x="4713511" y="2771741"/>
+            <a:ext cx="1477570" cy="238527"/>
           </a:xfrm>
           <a:prstGeom prst="rect">
             <a:avLst/>
@@ -5449,7 +5449,7 @@
             <a:pPr algn="ctr"/>
             <a:r>
               <a:rPr lang="en-US" altLang="ko-KR" sz="1100"/>
-              <a:t>Send Update</a:t>
+              <a:t>Send Bin Log</a:t>
             </a:r>
             <a:endParaRPr lang="ko-KR" altLang="en-US" sz="1100" dirty="0"/>
           </a:p>
@@ -5469,7 +5469,7 @@
         </p:nvSpPr>
         <p:spPr>
           <a:xfrm>
-            <a:off x="6185363" y="3145346"/>
+            <a:off x="6246702" y="3225301"/>
             <a:ext cx="273050" cy="252830"/>
           </a:xfrm>
           <a:custGeom>
@@ -5565,7 +5565,7 @@
         </p:nvSpPr>
         <p:spPr>
           <a:xfrm>
-            <a:off x="6458413" y="3067859"/>
+            <a:off x="6519752" y="3147814"/>
             <a:ext cx="849890" cy="407804"/>
           </a:xfrm>
           <a:prstGeom prst="rect">
@@ -5611,7 +5611,7 @@
         </p:nvCxnSpPr>
         <p:spPr>
           <a:xfrm>
-            <a:off x="3060859" y="3138250"/>
+            <a:off x="3122198" y="2490178"/>
             <a:ext cx="1549131" cy="0"/>
           </a:xfrm>
           <a:prstGeom prst="line">
@@ -5654,7 +5654,7 @@
         </p:nvSpPr>
         <p:spPr>
           <a:xfrm>
-            <a:off x="3472733" y="2931790"/>
+            <a:off x="3534072" y="2283718"/>
             <a:ext cx="736723" cy="206460"/>
           </a:xfrm>
           <a:prstGeom prst="rect">
@@ -5691,7 +5691,7 @@
         </p:nvSpPr>
         <p:spPr>
           <a:xfrm>
-            <a:off x="6185363" y="3630728"/>
+            <a:off x="6246702" y="3710683"/>
             <a:ext cx="273050" cy="252830"/>
           </a:xfrm>
           <a:custGeom>
@@ -5787,7 +5787,7 @@
         </p:nvSpPr>
         <p:spPr>
           <a:xfrm>
-            <a:off x="6458413" y="3553241"/>
+            <a:off x="6519752" y="3633196"/>
             <a:ext cx="1004576" cy="407804"/>
           </a:xfrm>
           <a:prstGeom prst="rect">
@@ -5812,6 +5812,88 @@
             <a:r>
               <a:rPr lang="en-US" altLang="ko-KR" sz="1100"/>
               <a:t>&amp; Bin log </a:t>
+            </a:r>
+            <a:endParaRPr lang="ko-KR" altLang="en-US" sz="1100" dirty="0"/>
+          </a:p>
+        </p:txBody>
+      </p:sp>
+      <p:cxnSp>
+        <p:nvCxnSpPr>
+          <p:cNvPr id="21" name="직선 연결선 20">
+            <a:extLst>
+              <a:ext uri="{FF2B5EF4-FFF2-40B4-BE49-F238E27FC236}">
+                <a16:creationId xmlns:a16="http://schemas.microsoft.com/office/drawing/2014/main" id="{CC736828-CB52-40D4-B64A-3563E9E6D258}"/>
+              </a:ext>
+            </a:extLst>
+          </p:cNvPr>
+          <p:cNvCxnSpPr>
+            <a:cxnSpLocks/>
+          </p:cNvCxnSpPr>
+          <p:nvPr/>
+        </p:nvCxnSpPr>
+        <p:spPr>
+          <a:xfrm>
+            <a:off x="4691493" y="2706202"/>
+            <a:ext cx="1549131" cy="0"/>
+          </a:xfrm>
+          <a:prstGeom prst="line">
+            <a:avLst/>
+          </a:prstGeom>
+          <a:ln w="28575">
+            <a:solidFill>
+              <a:schemeClr val="tx1"/>
+            </a:solidFill>
+            <a:headEnd type="arrow" w="med" len="med"/>
+            <a:tailEnd type="none" w="med" len="med"/>
+          </a:ln>
+        </p:spPr>
+        <p:style>
+          <a:lnRef idx="1">
+            <a:schemeClr val="accent1"/>
+          </a:lnRef>
+          <a:fillRef idx="0">
+            <a:schemeClr val="accent1"/>
+          </a:fillRef>
+          <a:effectRef idx="0">
+            <a:schemeClr val="accent1"/>
+          </a:effectRef>
+          <a:fontRef idx="minor">
+            <a:schemeClr val="tx1"/>
+          </a:fontRef>
+        </p:style>
+      </p:cxnSp>
+      <p:sp>
+        <p:nvSpPr>
+          <p:cNvPr id="25" name="TextBox 24">
+            <a:extLst>
+              <a:ext uri="{FF2B5EF4-FFF2-40B4-BE49-F238E27FC236}">
+                <a16:creationId xmlns:a16="http://schemas.microsoft.com/office/drawing/2014/main" id="{6F72ED84-063F-4D55-A9D7-C0EA9500DDA7}"/>
+              </a:ext>
+            </a:extLst>
+          </p:cNvPr>
+          <p:cNvSpPr txBox="1"/>
+          <p:nvPr/>
+        </p:nvSpPr>
+        <p:spPr>
+          <a:xfrm>
+            <a:off x="4708132" y="2483709"/>
+            <a:ext cx="1527194" cy="238527"/>
+          </a:xfrm>
+          <a:prstGeom prst="rect">
+            <a:avLst/>
+          </a:prstGeom>
+          <a:noFill/>
+        </p:spPr>
+        <p:txBody>
+          <a:bodyPr wrap="square" lIns="68580" tIns="34290" rIns="68580" bIns="34290" rtlCol="0" anchor="ctr">
+            <a:spAutoFit/>
+          </a:bodyPr>
+          <a:lstStyle/>
+          <a:p>
+            <a:pPr algn="ctr"/>
+            <a:r>
+              <a:rPr lang="en-US" altLang="ko-KR" sz="1100"/>
+              <a:t>Request Bin Log</a:t>
             </a:r>
             <a:endParaRPr lang="ko-KR" altLang="en-US" sz="1100" dirty="0"/>
           </a:p>
@@ -6290,7 +6372,7 @@
             <a:pPr algn="ctr"/>
             <a:r>
               <a:rPr lang="en-US" altLang="ko-KR" sz="1100"/>
-              <a:t>&amp; Bin log </a:t>
+              <a:t>&amp; Bin Log </a:t>
             </a:r>
             <a:endParaRPr lang="ko-KR" altLang="en-US" sz="1100" dirty="0"/>
           </a:p>
@@ -6860,7 +6942,7 @@
             <a:pPr algn="ctr"/>
             <a:r>
               <a:rPr lang="en-US" altLang="ko-KR" sz="1100"/>
-              <a:t>&amp; Bin log </a:t>
+              <a:t>&amp; Bin Log </a:t>
             </a:r>
             <a:endParaRPr lang="ko-KR" altLang="en-US" sz="1100" dirty="0"/>
           </a:p>
@@ -7281,7 +7363,7 @@
             <a:pPr algn="ctr"/>
             <a:r>
               <a:rPr lang="en-US" altLang="ko-KR" sz="1100"/>
-              <a:t>&amp; Bin log </a:t>
+              <a:t>&amp; Bin Log </a:t>
             </a:r>
             <a:endParaRPr lang="ko-KR" altLang="en-US" sz="1100" dirty="0"/>
           </a:p>
@@ -7851,7 +7933,7 @@
             <a:pPr algn="ctr"/>
             <a:r>
               <a:rPr lang="en-US" altLang="ko-KR" sz="1100"/>
-              <a:t>&amp; Bin log </a:t>
+              <a:t>&amp; Bin Log </a:t>
             </a:r>
             <a:endParaRPr lang="ko-KR" altLang="en-US" sz="1100" dirty="0"/>
           </a:p>
@@ -10426,7 +10508,7 @@
             <a:pPr algn="ctr"/>
             <a:r>
               <a:rPr lang="en-US" altLang="ko-KR" sz="1100"/>
-              <a:t>&amp; Bin log </a:t>
+              <a:t>&amp; Bin Log </a:t>
             </a:r>
             <a:endParaRPr lang="ko-KR" altLang="en-US" sz="1100" dirty="0"/>
           </a:p>
@@ -10989,7 +11071,7 @@
             <a:pPr algn="ctr"/>
             <a:r>
               <a:rPr lang="en-US" altLang="ko-KR" sz="1100"/>
-              <a:t>&amp; Bin log </a:t>
+              <a:t>&amp; Bin Log </a:t>
             </a:r>
             <a:endParaRPr lang="ko-KR" altLang="en-US" sz="1100" dirty="0"/>
           </a:p>

--- a/images/theory_analysis/MySQL_Replication/MySQL_Replication.pptx
+++ b/images/theory_analysis/MySQL_Replication/MySQL_Replication.pptx
@@ -219,7 +219,7 @@
           <a:p>
             <a:fld id="{6CD5550B-26C4-49A9-A5BA-636EF7BE6CE9}" type="datetimeFigureOut">
               <a:rPr lang="ko-KR" altLang="en-US" smtClean="0"/>
-              <a:t>2019-01-16</a:t>
+              <a:t>2019-03-01</a:t>
             </a:fld>
             <a:endParaRPr lang="ko-KR" altLang="en-US"/>
           </a:p>
@@ -1253,7 +1253,7 @@
           <a:p>
             <a:fld id="{FB30EDBD-1C2D-4C1E-B459-B60219FAB484}" type="datetimeFigureOut">
               <a:rPr lang="ko-KR" altLang="en-US" smtClean="0"/>
-              <a:t>2019-01-16</a:t>
+              <a:t>2019-03-01</a:t>
             </a:fld>
             <a:endParaRPr lang="ko-KR" altLang="en-US"/>
           </a:p>
@@ -1416,7 +1416,7 @@
           <a:p>
             <a:fld id="{FB30EDBD-1C2D-4C1E-B459-B60219FAB484}" type="datetimeFigureOut">
               <a:rPr lang="ko-KR" altLang="en-US" smtClean="0"/>
-              <a:t>2019-01-16</a:t>
+              <a:t>2019-03-01</a:t>
             </a:fld>
             <a:endParaRPr lang="ko-KR" altLang="en-US"/>
           </a:p>
@@ -1589,7 +1589,7 @@
           <a:p>
             <a:fld id="{FB30EDBD-1C2D-4C1E-B459-B60219FAB484}" type="datetimeFigureOut">
               <a:rPr lang="ko-KR" altLang="en-US" smtClean="0"/>
-              <a:t>2019-01-16</a:t>
+              <a:t>2019-03-01</a:t>
             </a:fld>
             <a:endParaRPr lang="ko-KR" altLang="en-US"/>
           </a:p>
@@ -1752,7 +1752,7 @@
           <a:p>
             <a:fld id="{FB30EDBD-1C2D-4C1E-B459-B60219FAB484}" type="datetimeFigureOut">
               <a:rPr lang="ko-KR" altLang="en-US" smtClean="0"/>
-              <a:t>2019-01-16</a:t>
+              <a:t>2019-03-01</a:t>
             </a:fld>
             <a:endParaRPr lang="ko-KR" altLang="en-US"/>
           </a:p>
@@ -1992,7 +1992,7 @@
           <a:p>
             <a:fld id="{FB30EDBD-1C2D-4C1E-B459-B60219FAB484}" type="datetimeFigureOut">
               <a:rPr lang="ko-KR" altLang="en-US" smtClean="0"/>
-              <a:t>2019-01-16</a:t>
+              <a:t>2019-03-01</a:t>
             </a:fld>
             <a:endParaRPr lang="ko-KR" altLang="en-US"/>
           </a:p>
@@ -2272,7 +2272,7 @@
           <a:p>
             <a:fld id="{FB30EDBD-1C2D-4C1E-B459-B60219FAB484}" type="datetimeFigureOut">
               <a:rPr lang="ko-KR" altLang="en-US" smtClean="0"/>
-              <a:t>2019-01-16</a:t>
+              <a:t>2019-03-01</a:t>
             </a:fld>
             <a:endParaRPr lang="ko-KR" altLang="en-US"/>
           </a:p>
@@ -2686,7 +2686,7 @@
           <a:p>
             <a:fld id="{FB30EDBD-1C2D-4C1E-B459-B60219FAB484}" type="datetimeFigureOut">
               <a:rPr lang="ko-KR" altLang="en-US" smtClean="0"/>
-              <a:t>2019-01-16</a:t>
+              <a:t>2019-03-01</a:t>
             </a:fld>
             <a:endParaRPr lang="ko-KR" altLang="en-US"/>
           </a:p>
@@ -2798,7 +2798,7 @@
           <a:p>
             <a:fld id="{FB30EDBD-1C2D-4C1E-B459-B60219FAB484}" type="datetimeFigureOut">
               <a:rPr lang="ko-KR" altLang="en-US" smtClean="0"/>
-              <a:t>2019-01-16</a:t>
+              <a:t>2019-03-01</a:t>
             </a:fld>
             <a:endParaRPr lang="ko-KR" altLang="en-US"/>
           </a:p>
@@ -2888,7 +2888,7 @@
           <a:p>
             <a:fld id="{FB30EDBD-1C2D-4C1E-B459-B60219FAB484}" type="datetimeFigureOut">
               <a:rPr lang="ko-KR" altLang="en-US" smtClean="0"/>
-              <a:t>2019-01-16</a:t>
+              <a:t>2019-03-01</a:t>
             </a:fld>
             <a:endParaRPr lang="ko-KR" altLang="en-US"/>
           </a:p>
@@ -3158,7 +3158,7 @@
           <a:p>
             <a:fld id="{FB30EDBD-1C2D-4C1E-B459-B60219FAB484}" type="datetimeFigureOut">
               <a:rPr lang="ko-KR" altLang="en-US" smtClean="0"/>
-              <a:t>2019-01-16</a:t>
+              <a:t>2019-03-01</a:t>
             </a:fld>
             <a:endParaRPr lang="ko-KR" altLang="en-US"/>
           </a:p>
@@ -3405,7 +3405,7 @@
           <a:p>
             <a:fld id="{FB30EDBD-1C2D-4C1E-B459-B60219FAB484}" type="datetimeFigureOut">
               <a:rPr lang="ko-KR" altLang="en-US" smtClean="0"/>
-              <a:t>2019-01-16</a:t>
+              <a:t>2019-03-01</a:t>
             </a:fld>
             <a:endParaRPr lang="ko-KR" altLang="en-US"/>
           </a:p>
@@ -3611,7 +3611,7 @@
           <a:p>
             <a:fld id="{FB30EDBD-1C2D-4C1E-B459-B60219FAB484}" type="datetimeFigureOut">
               <a:rPr lang="ko-KR" altLang="en-US" smtClean="0"/>
-              <a:t>2019-01-16</a:t>
+              <a:t>2019-03-01</a:t>
             </a:fld>
             <a:endParaRPr lang="ko-KR" altLang="en-US"/>
           </a:p>
@@ -4073,7 +4073,7 @@
         </p:nvSpPr>
         <p:spPr>
           <a:xfrm>
-            <a:off x="3779912" y="1995686"/>
+            <a:off x="4788029" y="1845679"/>
             <a:ext cx="1512168" cy="360040"/>
           </a:xfrm>
           <a:prstGeom prst="roundRect">
@@ -4100,10 +4100,10 @@
           <a:p>
             <a:pPr algn="ctr"/>
             <a:r>
-              <a:rPr lang="en-US" altLang="ko-KR" sz="1600"/>
-              <a:t>LB (VIP)</a:t>
-            </a:r>
-            <a:endParaRPr lang="ko-KR" altLang="en-US" sz="1600"/>
+              <a:rPr lang="en-US" altLang="ko-KR" sz="1600" dirty="0"/>
+              <a:t>LB Slave</a:t>
+            </a:r>
+            <a:endParaRPr lang="ko-KR" altLang="en-US" sz="1600" dirty="0"/>
           </a:p>
         </p:txBody>
       </p:sp>
@@ -4496,7 +4496,7 @@
         <p:spPr>
           <a:xfrm>
             <a:off x="4535996" y="1563638"/>
-            <a:ext cx="0" cy="432048"/>
+            <a:ext cx="1008117" cy="282041"/>
           </a:xfrm>
           <a:prstGeom prst="line">
             <a:avLst/>
@@ -4535,15 +4535,15 @@
           </p:cNvPr>
           <p:cNvCxnSpPr>
             <a:cxnSpLocks/>
-            <a:stCxn id="3" idx="2"/>
+            <a:stCxn id="10" idx="2"/>
             <a:endCxn id="8" idx="0"/>
           </p:cNvCxnSpPr>
           <p:nvPr/>
         </p:nvCxnSpPr>
         <p:spPr>
           <a:xfrm flipH="1">
-            <a:off x="2519772" y="2355726"/>
-            <a:ext cx="2016224" cy="432048"/>
+            <a:off x="2519772" y="1563638"/>
+            <a:ext cx="2016224" cy="1224136"/>
           </a:xfrm>
           <a:prstGeom prst="line">
             <a:avLst/>
@@ -4588,9 +4588,9 @@
           <p:nvPr/>
         </p:nvCxnSpPr>
         <p:spPr>
-          <a:xfrm>
-            <a:off x="4535996" y="2355726"/>
-            <a:ext cx="0" cy="432048"/>
+          <a:xfrm flipH="1">
+            <a:off x="4535996" y="2205719"/>
+            <a:ext cx="1008117" cy="582055"/>
           </a:xfrm>
           <a:prstGeom prst="line">
             <a:avLst/>
@@ -4636,8 +4636,8 @@
         </p:nvCxnSpPr>
         <p:spPr>
           <a:xfrm>
-            <a:off x="4535996" y="2355726"/>
-            <a:ext cx="2012345" cy="432048"/>
+            <a:off x="5544113" y="2205719"/>
+            <a:ext cx="1004228" cy="582055"/>
           </a:xfrm>
           <a:prstGeom prst="line">
             <a:avLst/>
@@ -4716,7 +4716,7 @@
         </p:nvSpPr>
         <p:spPr>
           <a:xfrm>
-            <a:off x="2411762" y="2191965"/>
+            <a:off x="2123728" y="1894060"/>
             <a:ext cx="1512166" cy="307777"/>
           </a:xfrm>
           <a:prstGeom prst="rect">
@@ -4732,10 +4732,10 @@
           <a:p>
             <a:pPr algn="ctr"/>
             <a:r>
-              <a:rPr lang="en-US" altLang="ko-KR" sz="1400"/>
+              <a:rPr lang="en-US" altLang="ko-KR" sz="1400" dirty="0"/>
               <a:t>R/W Request</a:t>
             </a:r>
-            <a:endParaRPr lang="ko-KR" altLang="en-US" sz="1400"/>
+            <a:endParaRPr lang="ko-KR" altLang="en-US" sz="1400" dirty="0"/>
           </a:p>
         </p:txBody>
       </p:sp>
@@ -4753,7 +4753,7 @@
         </p:nvSpPr>
         <p:spPr>
           <a:xfrm>
-            <a:off x="5076058" y="2201837"/>
+            <a:off x="4788024" y="2407989"/>
             <a:ext cx="1512166" cy="307777"/>
           </a:xfrm>
           <a:prstGeom prst="rect">
@@ -4769,47 +4769,10 @@
           <a:p>
             <a:pPr algn="ctr"/>
             <a:r>
-              <a:rPr lang="en-US" altLang="ko-KR" sz="1400"/>
+              <a:rPr lang="en-US" altLang="ko-KR" sz="1400" dirty="0"/>
               <a:t>R Request</a:t>
             </a:r>
-            <a:endParaRPr lang="ko-KR" altLang="en-US" sz="1400"/>
-          </a:p>
-        </p:txBody>
-      </p:sp>
-      <p:sp>
-        <p:nvSpPr>
-          <p:cNvPr id="34" name="TextBox 33">
-            <a:extLst>
-              <a:ext uri="{FF2B5EF4-FFF2-40B4-BE49-F238E27FC236}">
-                <a16:creationId xmlns:a16="http://schemas.microsoft.com/office/drawing/2014/main" id="{41532103-6EDB-4FD4-A3B0-AF97E0CA34D5}"/>
-              </a:ext>
-            </a:extLst>
-          </p:cNvPr>
-          <p:cNvSpPr txBox="1"/>
-          <p:nvPr/>
-        </p:nvSpPr>
-        <p:spPr>
-          <a:xfrm>
-            <a:off x="4283970" y="2479997"/>
-            <a:ext cx="1512166" cy="307777"/>
-          </a:xfrm>
-          <a:prstGeom prst="rect">
-            <a:avLst/>
-          </a:prstGeom>
-          <a:noFill/>
-        </p:spPr>
-        <p:txBody>
-          <a:bodyPr wrap="square" rtlCol="0" anchor="ctr">
-            <a:spAutoFit/>
-          </a:bodyPr>
-          <a:lstStyle/>
-          <a:p>
-            <a:pPr algn="ctr"/>
-            <a:r>
-              <a:rPr lang="en-US" altLang="ko-KR" sz="1400"/>
-              <a:t>R Request</a:t>
-            </a:r>
-            <a:endParaRPr lang="ko-KR" altLang="en-US" sz="1400"/>
+            <a:endParaRPr lang="ko-KR" altLang="en-US" sz="1400" dirty="0"/>
           </a:p>
         </p:txBody>
       </p:sp>
@@ -11276,9 +11239,9 @@
             <a:pPr algn="ctr"/>
             <a:r>
               <a:rPr lang="en-US" altLang="ko-KR" sz="1600"/>
-              <a:t>LB (VIP)</a:t>
-            </a:r>
-            <a:endParaRPr lang="ko-KR" altLang="en-US" sz="1600"/>
+              <a:t>LB</a:t>
+            </a:r>
+            <a:endParaRPr lang="ko-KR" altLang="en-US" sz="1600" dirty="0"/>
           </a:p>
         </p:txBody>
       </p:sp>

--- a/images/theory_analysis/MySQL_Replication/MySQL_Replication.pptx
+++ b/images/theory_analysis/MySQL_Replication/MySQL_Replication.pptx
@@ -219,7 +219,7 @@
           <a:p>
             <a:fld id="{6CD5550B-26C4-49A9-A5BA-636EF7BE6CE9}" type="datetimeFigureOut">
               <a:rPr lang="ko-KR" altLang="en-US" smtClean="0"/>
-              <a:t>2019-03-01</a:t>
+              <a:t>2019-03-03</a:t>
             </a:fld>
             <a:endParaRPr lang="ko-KR" altLang="en-US"/>
           </a:p>
@@ -1253,7 +1253,7 @@
           <a:p>
             <a:fld id="{FB30EDBD-1C2D-4C1E-B459-B60219FAB484}" type="datetimeFigureOut">
               <a:rPr lang="ko-KR" altLang="en-US" smtClean="0"/>
-              <a:t>2019-03-01</a:t>
+              <a:t>2019-03-03</a:t>
             </a:fld>
             <a:endParaRPr lang="ko-KR" altLang="en-US"/>
           </a:p>
@@ -1416,7 +1416,7 @@
           <a:p>
             <a:fld id="{FB30EDBD-1C2D-4C1E-B459-B60219FAB484}" type="datetimeFigureOut">
               <a:rPr lang="ko-KR" altLang="en-US" smtClean="0"/>
-              <a:t>2019-03-01</a:t>
+              <a:t>2019-03-03</a:t>
             </a:fld>
             <a:endParaRPr lang="ko-KR" altLang="en-US"/>
           </a:p>
@@ -1589,7 +1589,7 @@
           <a:p>
             <a:fld id="{FB30EDBD-1C2D-4C1E-B459-B60219FAB484}" type="datetimeFigureOut">
               <a:rPr lang="ko-KR" altLang="en-US" smtClean="0"/>
-              <a:t>2019-03-01</a:t>
+              <a:t>2019-03-03</a:t>
             </a:fld>
             <a:endParaRPr lang="ko-KR" altLang="en-US"/>
           </a:p>
@@ -1752,7 +1752,7 @@
           <a:p>
             <a:fld id="{FB30EDBD-1C2D-4C1E-B459-B60219FAB484}" type="datetimeFigureOut">
               <a:rPr lang="ko-KR" altLang="en-US" smtClean="0"/>
-              <a:t>2019-03-01</a:t>
+              <a:t>2019-03-03</a:t>
             </a:fld>
             <a:endParaRPr lang="ko-KR" altLang="en-US"/>
           </a:p>
@@ -1992,7 +1992,7 @@
           <a:p>
             <a:fld id="{FB30EDBD-1C2D-4C1E-B459-B60219FAB484}" type="datetimeFigureOut">
               <a:rPr lang="ko-KR" altLang="en-US" smtClean="0"/>
-              <a:t>2019-03-01</a:t>
+              <a:t>2019-03-03</a:t>
             </a:fld>
             <a:endParaRPr lang="ko-KR" altLang="en-US"/>
           </a:p>
@@ -2272,7 +2272,7 @@
           <a:p>
             <a:fld id="{FB30EDBD-1C2D-4C1E-B459-B60219FAB484}" type="datetimeFigureOut">
               <a:rPr lang="ko-KR" altLang="en-US" smtClean="0"/>
-              <a:t>2019-03-01</a:t>
+              <a:t>2019-03-03</a:t>
             </a:fld>
             <a:endParaRPr lang="ko-KR" altLang="en-US"/>
           </a:p>
@@ -2686,7 +2686,7 @@
           <a:p>
             <a:fld id="{FB30EDBD-1C2D-4C1E-B459-B60219FAB484}" type="datetimeFigureOut">
               <a:rPr lang="ko-KR" altLang="en-US" smtClean="0"/>
-              <a:t>2019-03-01</a:t>
+              <a:t>2019-03-03</a:t>
             </a:fld>
             <a:endParaRPr lang="ko-KR" altLang="en-US"/>
           </a:p>
@@ -2798,7 +2798,7 @@
           <a:p>
             <a:fld id="{FB30EDBD-1C2D-4C1E-B459-B60219FAB484}" type="datetimeFigureOut">
               <a:rPr lang="ko-KR" altLang="en-US" smtClean="0"/>
-              <a:t>2019-03-01</a:t>
+              <a:t>2019-03-03</a:t>
             </a:fld>
             <a:endParaRPr lang="ko-KR" altLang="en-US"/>
           </a:p>
@@ -2888,7 +2888,7 @@
           <a:p>
             <a:fld id="{FB30EDBD-1C2D-4C1E-B459-B60219FAB484}" type="datetimeFigureOut">
               <a:rPr lang="ko-KR" altLang="en-US" smtClean="0"/>
-              <a:t>2019-03-01</a:t>
+              <a:t>2019-03-03</a:t>
             </a:fld>
             <a:endParaRPr lang="ko-KR" altLang="en-US"/>
           </a:p>
@@ -3158,7 +3158,7 @@
           <a:p>
             <a:fld id="{FB30EDBD-1C2D-4C1E-B459-B60219FAB484}" type="datetimeFigureOut">
               <a:rPr lang="ko-KR" altLang="en-US" smtClean="0"/>
-              <a:t>2019-03-01</a:t>
+              <a:t>2019-03-03</a:t>
             </a:fld>
             <a:endParaRPr lang="ko-KR" altLang="en-US"/>
           </a:p>
@@ -3405,7 +3405,7 @@
           <a:p>
             <a:fld id="{FB30EDBD-1C2D-4C1E-B459-B60219FAB484}" type="datetimeFigureOut">
               <a:rPr lang="ko-KR" altLang="en-US" smtClean="0"/>
-              <a:t>2019-03-01</a:t>
+              <a:t>2019-03-03</a:t>
             </a:fld>
             <a:endParaRPr lang="ko-KR" altLang="en-US"/>
           </a:p>
@@ -3611,7 +3611,7 @@
           <a:p>
             <a:fld id="{FB30EDBD-1C2D-4C1E-B459-B60219FAB484}" type="datetimeFigureOut">
               <a:rPr lang="ko-KR" altLang="en-US" smtClean="0"/>
-              <a:t>2019-03-01</a:t>
+              <a:t>2019-03-03</a:t>
             </a:fld>
             <a:endParaRPr lang="ko-KR" altLang="en-US"/>
           </a:p>
@@ -8199,11 +8199,13 @@
         </p:nvSpPr>
         <p:spPr>
           <a:xfrm>
-            <a:off x="3563888" y="1995686"/>
-            <a:ext cx="1944216" cy="360040"/>
+            <a:off x="3057145" y="1726068"/>
+            <a:ext cx="2957702" cy="773674"/>
           </a:xfrm>
           <a:prstGeom prst="roundRect">
-            <a:avLst/>
+            <a:avLst>
+              <a:gd name="adj" fmla="val 11295"/>
+            </a:avLst>
           </a:prstGeom>
         </p:spPr>
         <p:style>
@@ -8221,10 +8223,9 @@
           </a:fontRef>
         </p:style>
         <p:txBody>
-          <a:bodyPr rtlCol="0" anchor="ctr"/>
-          <a:lstStyle/>
-          <a:p>
-            <a:pPr algn="ctr"/>
+          <a:bodyPr rtlCol="0" anchor="t"/>
+          <a:lstStyle/>
+          <a:p>
             <a:r>
               <a:rPr lang="en-US" altLang="ko-KR" sz="1600"/>
               <a:t>MySQL Router</a:t>
@@ -8347,7 +8348,7 @@
         </p:nvSpPr>
         <p:spPr>
           <a:xfrm>
-            <a:off x="3563888" y="1203598"/>
+            <a:off x="3563888" y="1131590"/>
             <a:ext cx="1944216" cy="360040"/>
           </a:xfrm>
           <a:prstGeom prst="roundRect">
@@ -8560,71 +8561,24 @@
       </p:cxnSp>
       <p:cxnSp>
         <p:nvCxnSpPr>
-          <p:cNvPr id="19" name="직선 연결선 18">
-            <a:extLst>
-              <a:ext uri="{FF2B5EF4-FFF2-40B4-BE49-F238E27FC236}">
-                <a16:creationId xmlns:a16="http://schemas.microsoft.com/office/drawing/2014/main" id="{22CBDC41-EAC0-49C3-8FAC-63013E9BAF6F}"/>
+          <p:cNvPr id="22" name="직선 연결선 21">
+            <a:extLst>
+              <a:ext uri="{FF2B5EF4-FFF2-40B4-BE49-F238E27FC236}">
+                <a16:creationId xmlns:a16="http://schemas.microsoft.com/office/drawing/2014/main" id="{507DD919-1F8C-4EDF-A3EA-9C85EEC24FF7}"/>
               </a:ext>
             </a:extLst>
           </p:cNvPr>
           <p:cNvCxnSpPr>
             <a:cxnSpLocks/>
-            <a:stCxn id="10" idx="2"/>
-            <a:endCxn id="3" idx="0"/>
-          </p:cNvCxnSpPr>
-          <p:nvPr/>
-        </p:nvCxnSpPr>
-        <p:spPr>
-          <a:xfrm>
-            <a:off x="4535996" y="1563638"/>
-            <a:ext cx="0" cy="432048"/>
-          </a:xfrm>
-          <a:prstGeom prst="line">
-            <a:avLst/>
-          </a:prstGeom>
-          <a:ln w="28575">
-            <a:solidFill>
-              <a:schemeClr val="tx1"/>
-            </a:solidFill>
-            <a:headEnd type="none" w="med" len="med"/>
-            <a:tailEnd type="arrow" w="med" len="med"/>
-          </a:ln>
-        </p:spPr>
-        <p:style>
-          <a:lnRef idx="1">
-            <a:schemeClr val="accent1"/>
-          </a:lnRef>
-          <a:fillRef idx="0">
-            <a:schemeClr val="accent1"/>
-          </a:fillRef>
-          <a:effectRef idx="0">
-            <a:schemeClr val="accent1"/>
-          </a:effectRef>
-          <a:fontRef idx="minor">
-            <a:schemeClr val="tx1"/>
-          </a:fontRef>
-        </p:style>
-      </p:cxnSp>
-      <p:cxnSp>
-        <p:nvCxnSpPr>
-          <p:cNvPr id="22" name="직선 연결선 21">
-            <a:extLst>
-              <a:ext uri="{FF2B5EF4-FFF2-40B4-BE49-F238E27FC236}">
-                <a16:creationId xmlns:a16="http://schemas.microsoft.com/office/drawing/2014/main" id="{507DD919-1F8C-4EDF-A3EA-9C85EEC24FF7}"/>
-              </a:ext>
-            </a:extLst>
-          </p:cNvPr>
-          <p:cNvCxnSpPr>
-            <a:cxnSpLocks/>
-            <a:stCxn id="3" idx="2"/>
+            <a:stCxn id="29" idx="2"/>
             <a:endCxn id="8" idx="0"/>
           </p:cNvCxnSpPr>
           <p:nvPr/>
         </p:nvCxnSpPr>
         <p:spPr>
           <a:xfrm flipH="1">
-            <a:off x="2519772" y="2355726"/>
-            <a:ext cx="2016224" cy="648072"/>
+            <a:off x="2519772" y="2418072"/>
+            <a:ext cx="1291996" cy="585726"/>
           </a:xfrm>
           <a:prstGeom prst="line">
             <a:avLst/>
@@ -8663,15 +8617,15 @@
           </p:cNvPr>
           <p:cNvCxnSpPr>
             <a:cxnSpLocks/>
-            <a:stCxn id="3" idx="2"/>
+            <a:stCxn id="46" idx="2"/>
             <a:endCxn id="4" idx="0"/>
           </p:cNvCxnSpPr>
           <p:nvPr/>
         </p:nvCxnSpPr>
         <p:spPr>
-          <a:xfrm>
-            <a:off x="4535996" y="2355726"/>
-            <a:ext cx="0" cy="648072"/>
+          <a:xfrm flipH="1">
+            <a:off x="4535996" y="2418072"/>
+            <a:ext cx="702078" cy="585726"/>
           </a:xfrm>
           <a:prstGeom prst="line">
             <a:avLst/>
@@ -8710,15 +8664,15 @@
           </p:cNvPr>
           <p:cNvCxnSpPr>
             <a:cxnSpLocks/>
-            <a:stCxn id="3" idx="2"/>
+            <a:stCxn id="46" idx="2"/>
             <a:endCxn id="9" idx="0"/>
           </p:cNvCxnSpPr>
           <p:nvPr/>
         </p:nvCxnSpPr>
         <p:spPr>
           <a:xfrm>
-            <a:off x="4535996" y="2355726"/>
-            <a:ext cx="2012345" cy="648072"/>
+            <a:off x="5238074" y="2418072"/>
+            <a:ext cx="1310267" cy="585726"/>
           </a:xfrm>
           <a:prstGeom prst="line">
             <a:avLst/>
@@ -8760,7 +8714,7 @@
         </p:nvSpPr>
         <p:spPr>
           <a:xfrm>
-            <a:off x="2483772" y="2324942"/>
+            <a:off x="3131842" y="2552639"/>
             <a:ext cx="1512166" cy="307777"/>
           </a:xfrm>
           <a:prstGeom prst="rect">
@@ -8785,10 +8739,10 @@
       </p:sp>
       <p:sp>
         <p:nvSpPr>
-          <p:cNvPr id="33" name="TextBox 32">
-            <a:extLst>
-              <a:ext uri="{FF2B5EF4-FFF2-40B4-BE49-F238E27FC236}">
-                <a16:creationId xmlns:a16="http://schemas.microsoft.com/office/drawing/2014/main" id="{4D0F5690-DEDA-4325-8C3B-C1E694A3E571}"/>
+          <p:cNvPr id="34" name="TextBox 33">
+            <a:extLst>
+              <a:ext uri="{FF2B5EF4-FFF2-40B4-BE49-F238E27FC236}">
+                <a16:creationId xmlns:a16="http://schemas.microsoft.com/office/drawing/2014/main" id="{41532103-6EDB-4FD4-A3B0-AF97E0CA34D5}"/>
               </a:ext>
             </a:extLst>
           </p:cNvPr>
@@ -8797,44 +8751,7 @@
         </p:nvSpPr>
         <p:spPr>
           <a:xfrm>
-            <a:off x="5076056" y="2326108"/>
-            <a:ext cx="1512166" cy="307777"/>
-          </a:xfrm>
-          <a:prstGeom prst="rect">
-            <a:avLst/>
-          </a:prstGeom>
-          <a:noFill/>
-        </p:spPr>
-        <p:txBody>
-          <a:bodyPr wrap="square" rtlCol="0" anchor="ctr">
-            <a:spAutoFit/>
-          </a:bodyPr>
-          <a:lstStyle/>
-          <a:p>
-            <a:pPr algn="ctr"/>
-            <a:r>
-              <a:rPr lang="en-US" altLang="ko-KR" sz="1400"/>
-              <a:t>R Request</a:t>
-            </a:r>
-            <a:endParaRPr lang="ko-KR" altLang="en-US" sz="1400"/>
-          </a:p>
-        </p:txBody>
-      </p:sp>
-      <p:sp>
-        <p:nvSpPr>
-          <p:cNvPr id="34" name="TextBox 33">
-            <a:extLst>
-              <a:ext uri="{FF2B5EF4-FFF2-40B4-BE49-F238E27FC236}">
-                <a16:creationId xmlns:a16="http://schemas.microsoft.com/office/drawing/2014/main" id="{41532103-6EDB-4FD4-A3B0-AF97E0CA34D5}"/>
-              </a:ext>
-            </a:extLst>
-          </p:cNvPr>
-          <p:cNvSpPr txBox="1"/>
-          <p:nvPr/>
-        </p:nvSpPr>
-        <p:spPr>
-          <a:xfrm>
-            <a:off x="4256262" y="2624013"/>
+            <a:off x="4644010" y="2552005"/>
             <a:ext cx="1512166" cy="307777"/>
           </a:xfrm>
           <a:prstGeom prst="rect">
@@ -9013,6 +8930,196 @@
           </a:p>
         </p:txBody>
       </p:sp>
+      <p:sp>
+        <p:nvSpPr>
+          <p:cNvPr id="29" name="사각형: 둥근 모서리 28">
+            <a:extLst>
+              <a:ext uri="{FF2B5EF4-FFF2-40B4-BE49-F238E27FC236}">
+                <a16:creationId xmlns:a16="http://schemas.microsoft.com/office/drawing/2014/main" id="{9802DD40-3DD2-4251-8D06-3FFEB41C9BC2}"/>
+              </a:ext>
+            </a:extLst>
+          </p:cNvPr>
+          <p:cNvSpPr/>
+          <p:nvPr/>
+        </p:nvSpPr>
+        <p:spPr>
+          <a:xfrm>
+            <a:off x="3267560" y="2110295"/>
+            <a:ext cx="1088416" cy="307777"/>
+          </a:xfrm>
+          <a:prstGeom prst="roundRect">
+            <a:avLst/>
+          </a:prstGeom>
+        </p:spPr>
+        <p:style>
+          <a:lnRef idx="2">
+            <a:schemeClr val="dk1"/>
+          </a:lnRef>
+          <a:fillRef idx="1">
+            <a:schemeClr val="lt1"/>
+          </a:fillRef>
+          <a:effectRef idx="0">
+            <a:schemeClr val="dk1"/>
+          </a:effectRef>
+          <a:fontRef idx="minor">
+            <a:schemeClr val="dk1"/>
+          </a:fontRef>
+        </p:style>
+        <p:txBody>
+          <a:bodyPr rtlCol="0" anchor="ctr"/>
+          <a:lstStyle/>
+          <a:p>
+            <a:pPr algn="ctr"/>
+            <a:r>
+              <a:rPr lang="en-US" altLang="ko-KR" sz="1400"/>
+              <a:t>RW Port</a:t>
+            </a:r>
+            <a:endParaRPr lang="ko-KR" altLang="en-US" sz="1400"/>
+          </a:p>
+        </p:txBody>
+      </p:sp>
+      <p:sp>
+        <p:nvSpPr>
+          <p:cNvPr id="46" name="사각형: 둥근 모서리 45">
+            <a:extLst>
+              <a:ext uri="{FF2B5EF4-FFF2-40B4-BE49-F238E27FC236}">
+                <a16:creationId xmlns:a16="http://schemas.microsoft.com/office/drawing/2014/main" id="{609FDF64-1D5A-4102-8973-A319953FE47C}"/>
+              </a:ext>
+            </a:extLst>
+          </p:cNvPr>
+          <p:cNvSpPr/>
+          <p:nvPr/>
+        </p:nvSpPr>
+        <p:spPr>
+          <a:xfrm>
+            <a:off x="4693866" y="2110295"/>
+            <a:ext cx="1088416" cy="307777"/>
+          </a:xfrm>
+          <a:prstGeom prst="roundRect">
+            <a:avLst/>
+          </a:prstGeom>
+        </p:spPr>
+        <p:style>
+          <a:lnRef idx="2">
+            <a:schemeClr val="dk1"/>
+          </a:lnRef>
+          <a:fillRef idx="1">
+            <a:schemeClr val="lt1"/>
+          </a:fillRef>
+          <a:effectRef idx="0">
+            <a:schemeClr val="dk1"/>
+          </a:effectRef>
+          <a:fontRef idx="minor">
+            <a:schemeClr val="dk1"/>
+          </a:fontRef>
+        </p:style>
+        <p:txBody>
+          <a:bodyPr rtlCol="0" anchor="ctr"/>
+          <a:lstStyle/>
+          <a:p>
+            <a:pPr algn="ctr"/>
+            <a:r>
+              <a:rPr lang="en-US" altLang="ko-KR" sz="1400"/>
+              <a:t>R Port</a:t>
+            </a:r>
+            <a:endParaRPr lang="ko-KR" altLang="en-US" sz="1400"/>
+          </a:p>
+        </p:txBody>
+      </p:sp>
+      <p:cxnSp>
+        <p:nvCxnSpPr>
+          <p:cNvPr id="47" name="직선 연결선 46">
+            <a:extLst>
+              <a:ext uri="{FF2B5EF4-FFF2-40B4-BE49-F238E27FC236}">
+                <a16:creationId xmlns:a16="http://schemas.microsoft.com/office/drawing/2014/main" id="{39BC9FF3-0C5F-435D-9F4B-FCBA8B7591A9}"/>
+              </a:ext>
+            </a:extLst>
+          </p:cNvPr>
+          <p:cNvCxnSpPr>
+            <a:cxnSpLocks/>
+            <a:stCxn id="10" idx="2"/>
+            <a:endCxn id="29" idx="0"/>
+          </p:cNvCxnSpPr>
+          <p:nvPr/>
+        </p:nvCxnSpPr>
+        <p:spPr>
+          <a:xfrm flipH="1">
+            <a:off x="3811768" y="1491630"/>
+            <a:ext cx="724228" cy="618665"/>
+          </a:xfrm>
+          <a:prstGeom prst="line">
+            <a:avLst/>
+          </a:prstGeom>
+          <a:ln w="28575">
+            <a:solidFill>
+              <a:schemeClr val="tx1"/>
+            </a:solidFill>
+            <a:headEnd type="none" w="med" len="med"/>
+            <a:tailEnd type="arrow" w="med" len="med"/>
+          </a:ln>
+        </p:spPr>
+        <p:style>
+          <a:lnRef idx="1">
+            <a:schemeClr val="accent1"/>
+          </a:lnRef>
+          <a:fillRef idx="0">
+            <a:schemeClr val="accent1"/>
+          </a:fillRef>
+          <a:effectRef idx="0">
+            <a:schemeClr val="accent1"/>
+          </a:effectRef>
+          <a:fontRef idx="minor">
+            <a:schemeClr val="tx1"/>
+          </a:fontRef>
+        </p:style>
+      </p:cxnSp>
+      <p:cxnSp>
+        <p:nvCxnSpPr>
+          <p:cNvPr id="50" name="직선 연결선 49">
+            <a:extLst>
+              <a:ext uri="{FF2B5EF4-FFF2-40B4-BE49-F238E27FC236}">
+                <a16:creationId xmlns:a16="http://schemas.microsoft.com/office/drawing/2014/main" id="{ADFF6551-3AE2-453B-9CB3-611A344162A6}"/>
+              </a:ext>
+            </a:extLst>
+          </p:cNvPr>
+          <p:cNvCxnSpPr>
+            <a:cxnSpLocks/>
+            <a:stCxn id="10" idx="2"/>
+            <a:endCxn id="46" idx="0"/>
+          </p:cNvCxnSpPr>
+          <p:nvPr/>
+        </p:nvCxnSpPr>
+        <p:spPr>
+          <a:xfrm>
+            <a:off x="4535996" y="1491630"/>
+            <a:ext cx="702078" cy="618665"/>
+          </a:xfrm>
+          <a:prstGeom prst="line">
+            <a:avLst/>
+          </a:prstGeom>
+          <a:ln w="28575">
+            <a:solidFill>
+              <a:schemeClr val="tx1"/>
+            </a:solidFill>
+            <a:headEnd type="none" w="med" len="med"/>
+            <a:tailEnd type="arrow" w="med" len="med"/>
+          </a:ln>
+        </p:spPr>
+        <p:style>
+          <a:lnRef idx="1">
+            <a:schemeClr val="accent1"/>
+          </a:lnRef>
+          <a:fillRef idx="0">
+            <a:schemeClr val="accent1"/>
+          </a:fillRef>
+          <a:effectRef idx="0">
+            <a:schemeClr val="accent1"/>
+          </a:effectRef>
+          <a:fontRef idx="minor">
+            <a:schemeClr val="tx1"/>
+          </a:fontRef>
+        </p:style>
+      </p:cxnSp>
     </p:spTree>
     <p:extLst>
       <p:ext uri="{BB962C8B-B14F-4D97-AF65-F5344CB8AC3E}">
@@ -9172,10 +9279,10 @@
       </p:sp>
       <p:sp>
         <p:nvSpPr>
-          <p:cNvPr id="3" name="사각형: 둥근 모서리 2">
-            <a:extLst>
-              <a:ext uri="{FF2B5EF4-FFF2-40B4-BE49-F238E27FC236}">
-                <a16:creationId xmlns:a16="http://schemas.microsoft.com/office/drawing/2014/main" id="{8A1616A6-1400-47E3-B96B-3825AAA58B85}"/>
+          <p:cNvPr id="8" name="사각형: 둥근 모서리 7">
+            <a:extLst>
+              <a:ext uri="{FF2B5EF4-FFF2-40B4-BE49-F238E27FC236}">
+                <a16:creationId xmlns:a16="http://schemas.microsoft.com/office/drawing/2014/main" id="{583C970C-86D1-45C6-9400-70A040488B56}"/>
               </a:ext>
             </a:extLst>
           </p:cNvPr>
@@ -9184,11 +9291,13 @@
         </p:nvSpPr>
         <p:spPr>
           <a:xfrm>
-            <a:off x="3563888" y="1995686"/>
-            <a:ext cx="1944216" cy="360040"/>
+            <a:off x="1763688" y="3003798"/>
+            <a:ext cx="1512168" cy="1512168"/>
           </a:xfrm>
           <a:prstGeom prst="roundRect">
-            <a:avLst/>
+            <a:avLst>
+              <a:gd name="adj" fmla="val 5886"/>
+            </a:avLst>
           </a:prstGeom>
         </p:spPr>
         <p:style>
@@ -9206,24 +9315,24 @@
           </a:fontRef>
         </p:style>
         <p:txBody>
-          <a:bodyPr rtlCol="0" anchor="ctr"/>
+          <a:bodyPr rtlCol="0" anchor="b"/>
           <a:lstStyle/>
           <a:p>
             <a:pPr algn="ctr"/>
             <a:r>
-              <a:rPr lang="en-US" altLang="ko-KR" sz="1600"/>
-              <a:t>MySQL Router</a:t>
-            </a:r>
-            <a:endParaRPr lang="ko-KR" altLang="en-US" sz="1600"/>
-          </a:p>
-        </p:txBody>
-      </p:sp>
-      <p:sp>
-        <p:nvSpPr>
-          <p:cNvPr id="8" name="사각형: 둥근 모서리 7">
-            <a:extLst>
-              <a:ext uri="{FF2B5EF4-FFF2-40B4-BE49-F238E27FC236}">
-                <a16:creationId xmlns:a16="http://schemas.microsoft.com/office/drawing/2014/main" id="{583C970C-86D1-45C6-9400-70A040488B56}"/>
+              <a:rPr lang="en-US" altLang="ko-KR" sz="1400"/>
+              <a:t>Primary DB</a:t>
+            </a:r>
+            <a:endParaRPr lang="ko-KR" altLang="en-US" sz="1400"/>
+          </a:p>
+        </p:txBody>
+      </p:sp>
+      <p:sp>
+        <p:nvSpPr>
+          <p:cNvPr id="9" name="사각형: 둥근 모서리 8">
+            <a:extLst>
+              <a:ext uri="{FF2B5EF4-FFF2-40B4-BE49-F238E27FC236}">
+                <a16:creationId xmlns:a16="http://schemas.microsoft.com/office/drawing/2014/main" id="{B5242D48-4E1F-41E6-A8B8-1EA5997B1334}"/>
               </a:ext>
             </a:extLst>
           </p:cNvPr>
@@ -9232,7 +9341,7 @@
         </p:nvSpPr>
         <p:spPr>
           <a:xfrm>
-            <a:off x="1763688" y="3003798"/>
+            <a:off x="5792257" y="3003798"/>
             <a:ext cx="1512168" cy="1512168"/>
           </a:xfrm>
           <a:prstGeom prst="roundRect">
@@ -9270,10 +9379,10 @@
       </p:sp>
       <p:sp>
         <p:nvSpPr>
-          <p:cNvPr id="9" name="사각형: 둥근 모서리 8">
-            <a:extLst>
-              <a:ext uri="{FF2B5EF4-FFF2-40B4-BE49-F238E27FC236}">
-                <a16:creationId xmlns:a16="http://schemas.microsoft.com/office/drawing/2014/main" id="{B5242D48-4E1F-41E6-A8B8-1EA5997B1334}"/>
+          <p:cNvPr id="10" name="사각형: 둥근 모서리 9">
+            <a:extLst>
+              <a:ext uri="{FF2B5EF4-FFF2-40B4-BE49-F238E27FC236}">
+                <a16:creationId xmlns:a16="http://schemas.microsoft.com/office/drawing/2014/main" id="{866B3922-D196-4CE1-97DA-94D70579E5FE}"/>
               </a:ext>
             </a:extLst>
           </p:cNvPr>
@@ -9282,13 +9391,11 @@
         </p:nvSpPr>
         <p:spPr>
           <a:xfrm>
-            <a:off x="5792257" y="3003798"/>
-            <a:ext cx="1512168" cy="1512168"/>
+            <a:off x="3563888" y="1203598"/>
+            <a:ext cx="1944216" cy="360040"/>
           </a:xfrm>
           <a:prstGeom prst="roundRect">
-            <a:avLst>
-              <a:gd name="adj" fmla="val 5886"/>
-            </a:avLst>
+            <a:avLst/>
           </a:prstGeom>
         </p:spPr>
         <p:style>
@@ -9306,24 +9413,24 @@
           </a:fontRef>
         </p:style>
         <p:txBody>
-          <a:bodyPr rtlCol="0" anchor="b"/>
+          <a:bodyPr rtlCol="0" anchor="ctr"/>
           <a:lstStyle/>
           <a:p>
             <a:pPr algn="ctr"/>
             <a:r>
-              <a:rPr lang="en-US" altLang="ko-KR" sz="1400"/>
-              <a:t>Primary DB</a:t>
-            </a:r>
-            <a:endParaRPr lang="ko-KR" altLang="en-US" sz="1400"/>
-          </a:p>
-        </p:txBody>
-      </p:sp>
-      <p:sp>
-        <p:nvSpPr>
-          <p:cNvPr id="10" name="사각형: 둥근 모서리 9">
-            <a:extLst>
-              <a:ext uri="{FF2B5EF4-FFF2-40B4-BE49-F238E27FC236}">
-                <a16:creationId xmlns:a16="http://schemas.microsoft.com/office/drawing/2014/main" id="{866B3922-D196-4CE1-97DA-94D70579E5FE}"/>
+              <a:rPr lang="en-US" altLang="ko-KR" sz="1600"/>
+              <a:t>App</a:t>
+            </a:r>
+            <a:endParaRPr lang="ko-KR" altLang="en-US" sz="1600"/>
+          </a:p>
+        </p:txBody>
+      </p:sp>
+      <p:sp>
+        <p:nvSpPr>
+          <p:cNvPr id="11" name="순서도: 자기 디스크 10">
+            <a:extLst>
+              <a:ext uri="{FF2B5EF4-FFF2-40B4-BE49-F238E27FC236}">
+                <a16:creationId xmlns:a16="http://schemas.microsoft.com/office/drawing/2014/main" id="{0197D105-FED6-424D-9645-F3D5083B16F8}"/>
               </a:ext>
             </a:extLst>
           </p:cNvPr>
@@ -9332,10 +9439,10 @@
         </p:nvSpPr>
         <p:spPr>
           <a:xfrm>
-            <a:off x="3563888" y="1203598"/>
-            <a:ext cx="1944216" cy="360040"/>
-          </a:xfrm>
-          <a:prstGeom prst="roundRect">
+            <a:off x="1982399" y="3363838"/>
+            <a:ext cx="1074746" cy="720080"/>
+          </a:xfrm>
+          <a:prstGeom prst="flowChartMagneticDisk">
             <a:avLst/>
           </a:prstGeom>
         </p:spPr>
@@ -9358,20 +9465,16 @@
           <a:lstStyle/>
           <a:p>
             <a:pPr algn="ctr"/>
-            <a:r>
-              <a:rPr lang="en-US" altLang="ko-KR" sz="1600"/>
-              <a:t>App</a:t>
-            </a:r>
-            <a:endParaRPr lang="ko-KR" altLang="en-US" sz="1600"/>
-          </a:p>
-        </p:txBody>
-      </p:sp>
-      <p:sp>
-        <p:nvSpPr>
-          <p:cNvPr id="11" name="순서도: 자기 디스크 10">
-            <a:extLst>
-              <a:ext uri="{FF2B5EF4-FFF2-40B4-BE49-F238E27FC236}">
-                <a16:creationId xmlns:a16="http://schemas.microsoft.com/office/drawing/2014/main" id="{0197D105-FED6-424D-9645-F3D5083B16F8}"/>
+            <a:endParaRPr lang="ko-KR" altLang="en-US"/>
+          </a:p>
+        </p:txBody>
+      </p:sp>
+      <p:sp>
+        <p:nvSpPr>
+          <p:cNvPr id="12" name="순서도: 자기 디스크 11">
+            <a:extLst>
+              <a:ext uri="{FF2B5EF4-FFF2-40B4-BE49-F238E27FC236}">
+                <a16:creationId xmlns:a16="http://schemas.microsoft.com/office/drawing/2014/main" id="{525E0FAB-2A3E-4CE8-92A7-899F9B240C20}"/>
               </a:ext>
             </a:extLst>
           </p:cNvPr>
@@ -9380,7 +9483,7 @@
         </p:nvSpPr>
         <p:spPr>
           <a:xfrm>
-            <a:off x="1982399" y="3363838"/>
+            <a:off x="3998623" y="3363838"/>
             <a:ext cx="1074746" cy="720080"/>
           </a:xfrm>
           <a:prstGeom prst="flowChartMagneticDisk">
@@ -9412,10 +9515,10 @@
       </p:sp>
       <p:sp>
         <p:nvSpPr>
-          <p:cNvPr id="12" name="순서도: 자기 디스크 11">
-            <a:extLst>
-              <a:ext uri="{FF2B5EF4-FFF2-40B4-BE49-F238E27FC236}">
-                <a16:creationId xmlns:a16="http://schemas.microsoft.com/office/drawing/2014/main" id="{525E0FAB-2A3E-4CE8-92A7-899F9B240C20}"/>
+          <p:cNvPr id="13" name="순서도: 자기 디스크 12">
+            <a:extLst>
+              <a:ext uri="{FF2B5EF4-FFF2-40B4-BE49-F238E27FC236}">
+                <a16:creationId xmlns:a16="http://schemas.microsoft.com/office/drawing/2014/main" id="{C5C2DD05-769F-44B8-89AB-BC08E350366C}"/>
               </a:ext>
             </a:extLst>
           </p:cNvPr>
@@ -9424,7 +9527,7 @@
         </p:nvSpPr>
         <p:spPr>
           <a:xfrm>
-            <a:off x="3998623" y="3363838"/>
+            <a:off x="6010968" y="3363838"/>
             <a:ext cx="1074746" cy="720080"/>
           </a:xfrm>
           <a:prstGeom prst="flowChartMagneticDisk">
@@ -9454,12 +9557,250 @@
           </a:p>
         </p:txBody>
       </p:sp>
-      <p:sp>
-        <p:nvSpPr>
-          <p:cNvPr id="13" name="순서도: 자기 디스크 12">
-            <a:extLst>
-              <a:ext uri="{FF2B5EF4-FFF2-40B4-BE49-F238E27FC236}">
-                <a16:creationId xmlns:a16="http://schemas.microsoft.com/office/drawing/2014/main" id="{C5C2DD05-769F-44B8-89AB-BC08E350366C}"/>
+      <p:cxnSp>
+        <p:nvCxnSpPr>
+          <p:cNvPr id="15" name="직선 화살표 연결선 14">
+            <a:extLst>
+              <a:ext uri="{FF2B5EF4-FFF2-40B4-BE49-F238E27FC236}">
+                <a16:creationId xmlns:a16="http://schemas.microsoft.com/office/drawing/2014/main" id="{9E1E5D33-26D8-46EA-A627-36FCD9DA07D1}"/>
+              </a:ext>
+            </a:extLst>
+          </p:cNvPr>
+          <p:cNvCxnSpPr>
+            <a:cxnSpLocks/>
+          </p:cNvCxnSpPr>
+          <p:nvPr/>
+        </p:nvCxnSpPr>
+        <p:spPr>
+          <a:xfrm>
+            <a:off x="3057145" y="3867894"/>
+            <a:ext cx="941478" cy="0"/>
+          </a:xfrm>
+          <a:prstGeom prst="straightConnector1">
+            <a:avLst/>
+          </a:prstGeom>
+          <a:ln w="28575">
+            <a:solidFill>
+              <a:schemeClr val="tx1"/>
+            </a:solidFill>
+            <a:headEnd type="arrow" w="med" len="med"/>
+            <a:tailEnd type="arrow" w="med" len="med"/>
+          </a:ln>
+        </p:spPr>
+        <p:style>
+          <a:lnRef idx="1">
+            <a:schemeClr val="accent1"/>
+          </a:lnRef>
+          <a:fillRef idx="0">
+            <a:schemeClr val="accent1"/>
+          </a:fillRef>
+          <a:effectRef idx="0">
+            <a:schemeClr val="accent1"/>
+          </a:effectRef>
+          <a:fontRef idx="minor">
+            <a:schemeClr val="tx1"/>
+          </a:fontRef>
+        </p:style>
+      </p:cxnSp>
+      <p:sp>
+        <p:nvSpPr>
+          <p:cNvPr id="34" name="TextBox 33">
+            <a:extLst>
+              <a:ext uri="{FF2B5EF4-FFF2-40B4-BE49-F238E27FC236}">
+                <a16:creationId xmlns:a16="http://schemas.microsoft.com/office/drawing/2014/main" id="{41532103-6EDB-4FD4-A3B0-AF97E0CA34D5}"/>
+              </a:ext>
+            </a:extLst>
+          </p:cNvPr>
+          <p:cNvSpPr txBox="1"/>
+          <p:nvPr/>
+        </p:nvSpPr>
+        <p:spPr>
+          <a:xfrm>
+            <a:off x="2123728" y="2499742"/>
+            <a:ext cx="1512166" cy="307777"/>
+          </a:xfrm>
+          <a:prstGeom prst="rect">
+            <a:avLst/>
+          </a:prstGeom>
+          <a:noFill/>
+        </p:spPr>
+        <p:txBody>
+          <a:bodyPr wrap="square" rtlCol="0" anchor="ctr">
+            <a:spAutoFit/>
+          </a:bodyPr>
+          <a:lstStyle/>
+          <a:p>
+            <a:pPr algn="ctr"/>
+            <a:r>
+              <a:rPr lang="en-US" altLang="ko-KR" sz="1400"/>
+              <a:t>R/W Request</a:t>
+            </a:r>
+            <a:endParaRPr lang="ko-KR" altLang="en-US" sz="1400"/>
+          </a:p>
+        </p:txBody>
+      </p:sp>
+      <p:sp>
+        <p:nvSpPr>
+          <p:cNvPr id="36" name="TextBox 35">
+            <a:extLst>
+              <a:ext uri="{FF2B5EF4-FFF2-40B4-BE49-F238E27FC236}">
+                <a16:creationId xmlns:a16="http://schemas.microsoft.com/office/drawing/2014/main" id="{A9FB266C-A413-4E91-80A5-6ACC605A284C}"/>
+              </a:ext>
+            </a:extLst>
+          </p:cNvPr>
+          <p:cNvSpPr txBox="1"/>
+          <p:nvPr/>
+        </p:nvSpPr>
+        <p:spPr>
+          <a:xfrm>
+            <a:off x="3779914" y="4624849"/>
+            <a:ext cx="1512166" cy="338554"/>
+          </a:xfrm>
+          <a:prstGeom prst="rect">
+            <a:avLst/>
+          </a:prstGeom>
+          <a:noFill/>
+        </p:spPr>
+        <p:txBody>
+          <a:bodyPr wrap="square" rtlCol="0" anchor="ctr">
+            <a:spAutoFit/>
+          </a:bodyPr>
+          <a:lstStyle/>
+          <a:p>
+            <a:pPr algn="ctr"/>
+            <a:r>
+              <a:rPr lang="en-US" altLang="ko-KR" sz="1600"/>
+              <a:t>Group</a:t>
+            </a:r>
+            <a:endParaRPr lang="ko-KR" altLang="en-US" sz="1600"/>
+          </a:p>
+        </p:txBody>
+      </p:sp>
+      <p:cxnSp>
+        <p:nvCxnSpPr>
+          <p:cNvPr id="38" name="직선 화살표 연결선 37">
+            <a:extLst>
+              <a:ext uri="{FF2B5EF4-FFF2-40B4-BE49-F238E27FC236}">
+                <a16:creationId xmlns:a16="http://schemas.microsoft.com/office/drawing/2014/main" id="{7758C0C0-80FB-4E85-BFBC-0C957EED4869}"/>
+              </a:ext>
+            </a:extLst>
+          </p:cNvPr>
+          <p:cNvCxnSpPr>
+            <a:cxnSpLocks/>
+          </p:cNvCxnSpPr>
+          <p:nvPr/>
+        </p:nvCxnSpPr>
+        <p:spPr>
+          <a:xfrm>
+            <a:off x="5069490" y="3867894"/>
+            <a:ext cx="941478" cy="0"/>
+          </a:xfrm>
+          <a:prstGeom prst="straightConnector1">
+            <a:avLst/>
+          </a:prstGeom>
+          <a:ln w="28575">
+            <a:solidFill>
+              <a:schemeClr val="tx1"/>
+            </a:solidFill>
+            <a:headEnd type="arrow" w="med" len="med"/>
+            <a:tailEnd type="arrow" w="med" len="med"/>
+          </a:ln>
+        </p:spPr>
+        <p:style>
+          <a:lnRef idx="1">
+            <a:schemeClr val="accent1"/>
+          </a:lnRef>
+          <a:fillRef idx="0">
+            <a:schemeClr val="accent1"/>
+          </a:fillRef>
+          <a:effectRef idx="0">
+            <a:schemeClr val="accent1"/>
+          </a:effectRef>
+          <a:fontRef idx="minor">
+            <a:schemeClr val="tx1"/>
+          </a:fontRef>
+        </p:style>
+      </p:cxnSp>
+      <p:sp>
+        <p:nvSpPr>
+          <p:cNvPr id="39" name="TextBox 38">
+            <a:extLst>
+              <a:ext uri="{FF2B5EF4-FFF2-40B4-BE49-F238E27FC236}">
+                <a16:creationId xmlns:a16="http://schemas.microsoft.com/office/drawing/2014/main" id="{773B7E90-9D65-48C1-885C-7B3B4E49D5C5}"/>
+              </a:ext>
+            </a:extLst>
+          </p:cNvPr>
+          <p:cNvSpPr txBox="1"/>
+          <p:nvPr/>
+        </p:nvSpPr>
+        <p:spPr>
+          <a:xfrm>
+            <a:off x="2915816" y="3560117"/>
+            <a:ext cx="1224135" cy="307777"/>
+          </a:xfrm>
+          <a:prstGeom prst="rect">
+            <a:avLst/>
+          </a:prstGeom>
+          <a:noFill/>
+        </p:spPr>
+        <p:txBody>
+          <a:bodyPr wrap="square" rtlCol="0" anchor="ctr">
+            <a:spAutoFit/>
+          </a:bodyPr>
+          <a:lstStyle/>
+          <a:p>
+            <a:pPr algn="ctr"/>
+            <a:r>
+              <a:rPr lang="en-US" altLang="ko-KR" sz="1400"/>
+              <a:t>Replication</a:t>
+            </a:r>
+            <a:endParaRPr lang="ko-KR" altLang="en-US" sz="1400"/>
+          </a:p>
+        </p:txBody>
+      </p:sp>
+      <p:sp>
+        <p:nvSpPr>
+          <p:cNvPr id="42" name="TextBox 41">
+            <a:extLst>
+              <a:ext uri="{FF2B5EF4-FFF2-40B4-BE49-F238E27FC236}">
+                <a16:creationId xmlns:a16="http://schemas.microsoft.com/office/drawing/2014/main" id="{B05320F5-0C00-4D1F-B97E-F20064939009}"/>
+              </a:ext>
+            </a:extLst>
+          </p:cNvPr>
+          <p:cNvSpPr txBox="1"/>
+          <p:nvPr/>
+        </p:nvSpPr>
+        <p:spPr>
+          <a:xfrm>
+            <a:off x="4928161" y="3560117"/>
+            <a:ext cx="1224135" cy="307777"/>
+          </a:xfrm>
+          <a:prstGeom prst="rect">
+            <a:avLst/>
+          </a:prstGeom>
+          <a:noFill/>
+        </p:spPr>
+        <p:txBody>
+          <a:bodyPr wrap="square" rtlCol="0" anchor="ctr">
+            <a:spAutoFit/>
+          </a:bodyPr>
+          <a:lstStyle/>
+          <a:p>
+            <a:pPr algn="ctr"/>
+            <a:r>
+              <a:rPr lang="en-US" altLang="ko-KR" sz="1400"/>
+              <a:t>Replication</a:t>
+            </a:r>
+            <a:endParaRPr lang="ko-KR" altLang="en-US" sz="1400"/>
+          </a:p>
+        </p:txBody>
+      </p:sp>
+      <p:sp>
+        <p:nvSpPr>
+          <p:cNvPr id="24" name="사각형: 둥근 모서리 23">
+            <a:extLst>
+              <a:ext uri="{FF2B5EF4-FFF2-40B4-BE49-F238E27FC236}">
+                <a16:creationId xmlns:a16="http://schemas.microsoft.com/office/drawing/2014/main" id="{35909100-C4FA-402E-9D0A-FA977DBA82CB}"/>
               </a:ext>
             </a:extLst>
           </p:cNvPr>
@@ -9468,11 +9809,13 @@
         </p:nvSpPr>
         <p:spPr>
           <a:xfrm>
-            <a:off x="6010968" y="3363838"/>
-            <a:ext cx="1074746" cy="720080"/>
-          </a:xfrm>
-          <a:prstGeom prst="flowChartMagneticDisk">
-            <a:avLst/>
+            <a:off x="3279739" y="1798076"/>
+            <a:ext cx="2512514" cy="773674"/>
+          </a:xfrm>
+          <a:prstGeom prst="roundRect">
+            <a:avLst>
+              <a:gd name="adj" fmla="val 11295"/>
+            </a:avLst>
           </a:prstGeom>
         </p:spPr>
         <p:style>
@@ -9490,41 +9833,188 @@
           </a:fontRef>
         </p:style>
         <p:txBody>
+          <a:bodyPr rtlCol="0" anchor="t"/>
+          <a:lstStyle/>
+          <a:p>
+            <a:r>
+              <a:rPr lang="en-US" altLang="ko-KR" sz="1600"/>
+              <a:t>MySQL Router</a:t>
+            </a:r>
+            <a:endParaRPr lang="ko-KR" altLang="en-US" sz="1600"/>
+          </a:p>
+        </p:txBody>
+      </p:sp>
+      <p:sp>
+        <p:nvSpPr>
+          <p:cNvPr id="26" name="사각형: 둥근 모서리 25">
+            <a:extLst>
+              <a:ext uri="{FF2B5EF4-FFF2-40B4-BE49-F238E27FC236}">
+                <a16:creationId xmlns:a16="http://schemas.microsoft.com/office/drawing/2014/main" id="{449C3F75-BE8A-415D-90F1-67429431303C}"/>
+              </a:ext>
+            </a:extLst>
+          </p:cNvPr>
+          <p:cNvSpPr/>
+          <p:nvPr/>
+        </p:nvSpPr>
+        <p:spPr>
+          <a:xfrm>
+            <a:off x="3987640" y="2182303"/>
+            <a:ext cx="1088416" cy="307777"/>
+          </a:xfrm>
+          <a:prstGeom prst="roundRect">
+            <a:avLst/>
+          </a:prstGeom>
+        </p:spPr>
+        <p:style>
+          <a:lnRef idx="2">
+            <a:schemeClr val="dk1"/>
+          </a:lnRef>
+          <a:fillRef idx="1">
+            <a:schemeClr val="lt1"/>
+          </a:fillRef>
+          <a:effectRef idx="0">
+            <a:schemeClr val="dk1"/>
+          </a:effectRef>
+          <a:fontRef idx="minor">
+            <a:schemeClr val="dk1"/>
+          </a:fontRef>
+        </p:style>
+        <p:txBody>
           <a:bodyPr rtlCol="0" anchor="ctr"/>
           <a:lstStyle/>
           <a:p>
             <a:pPr algn="ctr"/>
-            <a:endParaRPr lang="ko-KR" altLang="en-US"/>
+            <a:r>
+              <a:rPr lang="en-US" altLang="ko-KR" sz="1400"/>
+              <a:t>RW Port</a:t>
+            </a:r>
+            <a:endParaRPr lang="ko-KR" altLang="en-US" sz="1400"/>
           </a:p>
         </p:txBody>
       </p:sp>
       <p:cxnSp>
         <p:nvCxnSpPr>
-          <p:cNvPr id="15" name="직선 화살표 연결선 14">
-            <a:extLst>
-              <a:ext uri="{FF2B5EF4-FFF2-40B4-BE49-F238E27FC236}">
-                <a16:creationId xmlns:a16="http://schemas.microsoft.com/office/drawing/2014/main" id="{9E1E5D33-26D8-46EA-A627-36FCD9DA07D1}"/>
+          <p:cNvPr id="22" name="직선 연결선 21">
+            <a:extLst>
+              <a:ext uri="{FF2B5EF4-FFF2-40B4-BE49-F238E27FC236}">
+                <a16:creationId xmlns:a16="http://schemas.microsoft.com/office/drawing/2014/main" id="{507DD919-1F8C-4EDF-A3EA-9C85EEC24FF7}"/>
               </a:ext>
             </a:extLst>
           </p:cNvPr>
           <p:cNvCxnSpPr>
             <a:cxnSpLocks/>
+            <a:stCxn id="26" idx="2"/>
+            <a:endCxn id="8" idx="0"/>
           </p:cNvCxnSpPr>
           <p:nvPr/>
         </p:nvCxnSpPr>
         <p:spPr>
-          <a:xfrm>
-            <a:off x="3057145" y="3867894"/>
-            <a:ext cx="941478" cy="0"/>
-          </a:xfrm>
-          <a:prstGeom prst="straightConnector1">
+          <a:xfrm flipH="1">
+            <a:off x="2519772" y="2490080"/>
+            <a:ext cx="2012076" cy="513718"/>
+          </a:xfrm>
+          <a:prstGeom prst="line">
             <a:avLst/>
           </a:prstGeom>
           <a:ln w="28575">
             <a:solidFill>
               <a:schemeClr val="tx1"/>
             </a:solidFill>
-            <a:headEnd type="arrow" w="med" len="med"/>
+            <a:headEnd type="none" w="med" len="med"/>
+            <a:tailEnd type="arrow" w="med" len="med"/>
+          </a:ln>
+        </p:spPr>
+        <p:style>
+          <a:lnRef idx="1">
+            <a:schemeClr val="accent1"/>
+          </a:lnRef>
+          <a:fillRef idx="0">
+            <a:schemeClr val="accent1"/>
+          </a:fillRef>
+          <a:effectRef idx="0">
+            <a:schemeClr val="accent1"/>
+          </a:effectRef>
+          <a:fontRef idx="minor">
+            <a:schemeClr val="tx1"/>
+          </a:fontRef>
+        </p:style>
+      </p:cxnSp>
+      <p:cxnSp>
+        <p:nvCxnSpPr>
+          <p:cNvPr id="25" name="직선 연결선 24">
+            <a:extLst>
+              <a:ext uri="{FF2B5EF4-FFF2-40B4-BE49-F238E27FC236}">
+                <a16:creationId xmlns:a16="http://schemas.microsoft.com/office/drawing/2014/main" id="{05E73110-B9EC-455C-96CC-025CFED44C57}"/>
+              </a:ext>
+            </a:extLst>
+          </p:cNvPr>
+          <p:cNvCxnSpPr>
+            <a:cxnSpLocks/>
+            <a:stCxn id="26" idx="2"/>
+            <a:endCxn id="4" idx="0"/>
+          </p:cNvCxnSpPr>
+          <p:nvPr/>
+        </p:nvCxnSpPr>
+        <p:spPr>
+          <a:xfrm>
+            <a:off x="4531848" y="2490080"/>
+            <a:ext cx="4148" cy="513718"/>
+          </a:xfrm>
+          <a:prstGeom prst="line">
+            <a:avLst/>
+          </a:prstGeom>
+          <a:ln w="28575">
+            <a:solidFill>
+              <a:schemeClr val="tx1"/>
+            </a:solidFill>
+            <a:headEnd type="none" w="med" len="med"/>
+            <a:tailEnd type="arrow" w="med" len="med"/>
+          </a:ln>
+        </p:spPr>
+        <p:style>
+          <a:lnRef idx="1">
+            <a:schemeClr val="accent1"/>
+          </a:lnRef>
+          <a:fillRef idx="0">
+            <a:schemeClr val="accent1"/>
+          </a:fillRef>
+          <a:effectRef idx="0">
+            <a:schemeClr val="accent1"/>
+          </a:effectRef>
+          <a:fontRef idx="minor">
+            <a:schemeClr val="tx1"/>
+          </a:fontRef>
+        </p:style>
+      </p:cxnSp>
+      <p:cxnSp>
+        <p:nvCxnSpPr>
+          <p:cNvPr id="28" name="직선 연결선 27">
+            <a:extLst>
+              <a:ext uri="{FF2B5EF4-FFF2-40B4-BE49-F238E27FC236}">
+                <a16:creationId xmlns:a16="http://schemas.microsoft.com/office/drawing/2014/main" id="{557238BF-27F5-4591-9CA4-E941CF9890FF}"/>
+              </a:ext>
+            </a:extLst>
+          </p:cNvPr>
+          <p:cNvCxnSpPr>
+            <a:cxnSpLocks/>
+            <a:stCxn id="26" idx="2"/>
+            <a:endCxn id="9" idx="0"/>
+          </p:cNvCxnSpPr>
+          <p:nvPr/>
+        </p:nvCxnSpPr>
+        <p:spPr>
+          <a:xfrm>
+            <a:off x="4531848" y="2490080"/>
+            <a:ext cx="2016493" cy="513718"/>
+          </a:xfrm>
+          <a:prstGeom prst="line">
+            <a:avLst/>
+          </a:prstGeom>
+          <a:ln w="28575">
+            <a:solidFill>
+              <a:schemeClr val="tx1"/>
+            </a:solidFill>
+            <a:headEnd type="none" w="med" len="med"/>
             <a:tailEnd type="arrow" w="med" len="med"/>
           </a:ln>
         </p:spPr>
@@ -9555,14 +10045,14 @@
           <p:cNvCxnSpPr>
             <a:cxnSpLocks/>
             <a:stCxn id="10" idx="2"/>
-            <a:endCxn id="3" idx="0"/>
+            <a:endCxn id="26" idx="0"/>
           </p:cNvCxnSpPr>
           <p:nvPr/>
         </p:nvCxnSpPr>
         <p:spPr>
-          <a:xfrm>
-            <a:off x="4535996" y="1563638"/>
-            <a:ext cx="0" cy="432048"/>
+          <a:xfrm flipH="1">
+            <a:off x="4531848" y="1563638"/>
+            <a:ext cx="4148" cy="618665"/>
           </a:xfrm>
           <a:prstGeom prst="line">
             <a:avLst/>
@@ -9590,414 +10080,6 @@
           </a:fontRef>
         </p:style>
       </p:cxnSp>
-      <p:cxnSp>
-        <p:nvCxnSpPr>
-          <p:cNvPr id="22" name="직선 연결선 21">
-            <a:extLst>
-              <a:ext uri="{FF2B5EF4-FFF2-40B4-BE49-F238E27FC236}">
-                <a16:creationId xmlns:a16="http://schemas.microsoft.com/office/drawing/2014/main" id="{507DD919-1F8C-4EDF-A3EA-9C85EEC24FF7}"/>
-              </a:ext>
-            </a:extLst>
-          </p:cNvPr>
-          <p:cNvCxnSpPr>
-            <a:cxnSpLocks/>
-            <a:stCxn id="3" idx="2"/>
-            <a:endCxn id="8" idx="0"/>
-          </p:cNvCxnSpPr>
-          <p:nvPr/>
-        </p:nvCxnSpPr>
-        <p:spPr>
-          <a:xfrm flipH="1">
-            <a:off x="2519772" y="2355726"/>
-            <a:ext cx="2016224" cy="648072"/>
-          </a:xfrm>
-          <a:prstGeom prst="line">
-            <a:avLst/>
-          </a:prstGeom>
-          <a:ln w="28575">
-            <a:solidFill>
-              <a:schemeClr val="tx1"/>
-            </a:solidFill>
-            <a:headEnd type="none" w="med" len="med"/>
-            <a:tailEnd type="arrow" w="med" len="med"/>
-          </a:ln>
-        </p:spPr>
-        <p:style>
-          <a:lnRef idx="1">
-            <a:schemeClr val="accent1"/>
-          </a:lnRef>
-          <a:fillRef idx="0">
-            <a:schemeClr val="accent1"/>
-          </a:fillRef>
-          <a:effectRef idx="0">
-            <a:schemeClr val="accent1"/>
-          </a:effectRef>
-          <a:fontRef idx="minor">
-            <a:schemeClr val="tx1"/>
-          </a:fontRef>
-        </p:style>
-      </p:cxnSp>
-      <p:cxnSp>
-        <p:nvCxnSpPr>
-          <p:cNvPr id="25" name="직선 연결선 24">
-            <a:extLst>
-              <a:ext uri="{FF2B5EF4-FFF2-40B4-BE49-F238E27FC236}">
-                <a16:creationId xmlns:a16="http://schemas.microsoft.com/office/drawing/2014/main" id="{05E73110-B9EC-455C-96CC-025CFED44C57}"/>
-              </a:ext>
-            </a:extLst>
-          </p:cNvPr>
-          <p:cNvCxnSpPr>
-            <a:cxnSpLocks/>
-            <a:stCxn id="3" idx="2"/>
-            <a:endCxn id="4" idx="0"/>
-          </p:cNvCxnSpPr>
-          <p:nvPr/>
-        </p:nvCxnSpPr>
-        <p:spPr>
-          <a:xfrm>
-            <a:off x="4535996" y="2355726"/>
-            <a:ext cx="0" cy="648072"/>
-          </a:xfrm>
-          <a:prstGeom prst="line">
-            <a:avLst/>
-          </a:prstGeom>
-          <a:ln w="28575">
-            <a:solidFill>
-              <a:schemeClr val="tx1"/>
-            </a:solidFill>
-            <a:headEnd type="none" w="med" len="med"/>
-            <a:tailEnd type="arrow" w="med" len="med"/>
-          </a:ln>
-        </p:spPr>
-        <p:style>
-          <a:lnRef idx="1">
-            <a:schemeClr val="accent1"/>
-          </a:lnRef>
-          <a:fillRef idx="0">
-            <a:schemeClr val="accent1"/>
-          </a:fillRef>
-          <a:effectRef idx="0">
-            <a:schemeClr val="accent1"/>
-          </a:effectRef>
-          <a:fontRef idx="minor">
-            <a:schemeClr val="tx1"/>
-          </a:fontRef>
-        </p:style>
-      </p:cxnSp>
-      <p:cxnSp>
-        <p:nvCxnSpPr>
-          <p:cNvPr id="28" name="직선 연결선 27">
-            <a:extLst>
-              <a:ext uri="{FF2B5EF4-FFF2-40B4-BE49-F238E27FC236}">
-                <a16:creationId xmlns:a16="http://schemas.microsoft.com/office/drawing/2014/main" id="{557238BF-27F5-4591-9CA4-E941CF9890FF}"/>
-              </a:ext>
-            </a:extLst>
-          </p:cNvPr>
-          <p:cNvCxnSpPr>
-            <a:cxnSpLocks/>
-            <a:stCxn id="3" idx="2"/>
-            <a:endCxn id="9" idx="0"/>
-          </p:cNvCxnSpPr>
-          <p:nvPr/>
-        </p:nvCxnSpPr>
-        <p:spPr>
-          <a:xfrm>
-            <a:off x="4535996" y="2355726"/>
-            <a:ext cx="2012345" cy="648072"/>
-          </a:xfrm>
-          <a:prstGeom prst="line">
-            <a:avLst/>
-          </a:prstGeom>
-          <a:ln w="28575">
-            <a:solidFill>
-              <a:schemeClr val="tx1"/>
-            </a:solidFill>
-            <a:headEnd type="none" w="med" len="med"/>
-            <a:tailEnd type="arrow" w="med" len="med"/>
-          </a:ln>
-        </p:spPr>
-        <p:style>
-          <a:lnRef idx="1">
-            <a:schemeClr val="accent1"/>
-          </a:lnRef>
-          <a:fillRef idx="0">
-            <a:schemeClr val="accent1"/>
-          </a:fillRef>
-          <a:effectRef idx="0">
-            <a:schemeClr val="accent1"/>
-          </a:effectRef>
-          <a:fontRef idx="minor">
-            <a:schemeClr val="tx1"/>
-          </a:fontRef>
-        </p:style>
-      </p:cxnSp>
-      <p:sp>
-        <p:nvSpPr>
-          <p:cNvPr id="32" name="TextBox 31">
-            <a:extLst>
-              <a:ext uri="{FF2B5EF4-FFF2-40B4-BE49-F238E27FC236}">
-                <a16:creationId xmlns:a16="http://schemas.microsoft.com/office/drawing/2014/main" id="{D3F124DD-5F09-4246-90A2-D0665E254849}"/>
-              </a:ext>
-            </a:extLst>
-          </p:cNvPr>
-          <p:cNvSpPr txBox="1"/>
-          <p:nvPr/>
-        </p:nvSpPr>
-        <p:spPr>
-          <a:xfrm>
-            <a:off x="2483772" y="2324942"/>
-            <a:ext cx="1512166" cy="307777"/>
-          </a:xfrm>
-          <a:prstGeom prst="rect">
-            <a:avLst/>
-          </a:prstGeom>
-          <a:noFill/>
-        </p:spPr>
-        <p:txBody>
-          <a:bodyPr wrap="square" rtlCol="0" anchor="ctr">
-            <a:spAutoFit/>
-          </a:bodyPr>
-          <a:lstStyle/>
-          <a:p>
-            <a:pPr algn="ctr"/>
-            <a:r>
-              <a:rPr lang="en-US" altLang="ko-KR" sz="1400"/>
-              <a:t>R/W Request</a:t>
-            </a:r>
-            <a:endParaRPr lang="ko-KR" altLang="en-US" sz="1400"/>
-          </a:p>
-        </p:txBody>
-      </p:sp>
-      <p:sp>
-        <p:nvSpPr>
-          <p:cNvPr id="33" name="TextBox 32">
-            <a:extLst>
-              <a:ext uri="{FF2B5EF4-FFF2-40B4-BE49-F238E27FC236}">
-                <a16:creationId xmlns:a16="http://schemas.microsoft.com/office/drawing/2014/main" id="{4D0F5690-DEDA-4325-8C3B-C1E694A3E571}"/>
-              </a:ext>
-            </a:extLst>
-          </p:cNvPr>
-          <p:cNvSpPr txBox="1"/>
-          <p:nvPr/>
-        </p:nvSpPr>
-        <p:spPr>
-          <a:xfrm>
-            <a:off x="5076056" y="2326108"/>
-            <a:ext cx="1512166" cy="307777"/>
-          </a:xfrm>
-          <a:prstGeom prst="rect">
-            <a:avLst/>
-          </a:prstGeom>
-          <a:noFill/>
-        </p:spPr>
-        <p:txBody>
-          <a:bodyPr wrap="square" rtlCol="0" anchor="ctr">
-            <a:spAutoFit/>
-          </a:bodyPr>
-          <a:lstStyle/>
-          <a:p>
-            <a:pPr algn="ctr"/>
-            <a:r>
-              <a:rPr lang="en-US" altLang="ko-KR" sz="1400"/>
-              <a:t>R/W Request</a:t>
-            </a:r>
-            <a:endParaRPr lang="ko-KR" altLang="en-US" sz="1400"/>
-          </a:p>
-        </p:txBody>
-      </p:sp>
-      <p:sp>
-        <p:nvSpPr>
-          <p:cNvPr id="34" name="TextBox 33">
-            <a:extLst>
-              <a:ext uri="{FF2B5EF4-FFF2-40B4-BE49-F238E27FC236}">
-                <a16:creationId xmlns:a16="http://schemas.microsoft.com/office/drawing/2014/main" id="{41532103-6EDB-4FD4-A3B0-AF97E0CA34D5}"/>
-              </a:ext>
-            </a:extLst>
-          </p:cNvPr>
-          <p:cNvSpPr txBox="1"/>
-          <p:nvPr/>
-        </p:nvSpPr>
-        <p:spPr>
-          <a:xfrm>
-            <a:off x="4355978" y="2624013"/>
-            <a:ext cx="1512166" cy="307777"/>
-          </a:xfrm>
-          <a:prstGeom prst="rect">
-            <a:avLst/>
-          </a:prstGeom>
-          <a:noFill/>
-        </p:spPr>
-        <p:txBody>
-          <a:bodyPr wrap="square" rtlCol="0" anchor="ctr">
-            <a:spAutoFit/>
-          </a:bodyPr>
-          <a:lstStyle/>
-          <a:p>
-            <a:pPr algn="ctr"/>
-            <a:r>
-              <a:rPr lang="en-US" altLang="ko-KR" sz="1400"/>
-              <a:t>R/W Request</a:t>
-            </a:r>
-            <a:endParaRPr lang="ko-KR" altLang="en-US" sz="1400"/>
-          </a:p>
-        </p:txBody>
-      </p:sp>
-      <p:sp>
-        <p:nvSpPr>
-          <p:cNvPr id="36" name="TextBox 35">
-            <a:extLst>
-              <a:ext uri="{FF2B5EF4-FFF2-40B4-BE49-F238E27FC236}">
-                <a16:creationId xmlns:a16="http://schemas.microsoft.com/office/drawing/2014/main" id="{A9FB266C-A413-4E91-80A5-6ACC605A284C}"/>
-              </a:ext>
-            </a:extLst>
-          </p:cNvPr>
-          <p:cNvSpPr txBox="1"/>
-          <p:nvPr/>
-        </p:nvSpPr>
-        <p:spPr>
-          <a:xfrm>
-            <a:off x="3779914" y="4624849"/>
-            <a:ext cx="1512166" cy="338554"/>
-          </a:xfrm>
-          <a:prstGeom prst="rect">
-            <a:avLst/>
-          </a:prstGeom>
-          <a:noFill/>
-        </p:spPr>
-        <p:txBody>
-          <a:bodyPr wrap="square" rtlCol="0" anchor="ctr">
-            <a:spAutoFit/>
-          </a:bodyPr>
-          <a:lstStyle/>
-          <a:p>
-            <a:pPr algn="ctr"/>
-            <a:r>
-              <a:rPr lang="en-US" altLang="ko-KR" sz="1600"/>
-              <a:t>Group</a:t>
-            </a:r>
-            <a:endParaRPr lang="ko-KR" altLang="en-US" sz="1600"/>
-          </a:p>
-        </p:txBody>
-      </p:sp>
-      <p:cxnSp>
-        <p:nvCxnSpPr>
-          <p:cNvPr id="38" name="직선 화살표 연결선 37">
-            <a:extLst>
-              <a:ext uri="{FF2B5EF4-FFF2-40B4-BE49-F238E27FC236}">
-                <a16:creationId xmlns:a16="http://schemas.microsoft.com/office/drawing/2014/main" id="{7758C0C0-80FB-4E85-BFBC-0C957EED4869}"/>
-              </a:ext>
-            </a:extLst>
-          </p:cNvPr>
-          <p:cNvCxnSpPr>
-            <a:cxnSpLocks/>
-          </p:cNvCxnSpPr>
-          <p:nvPr/>
-        </p:nvCxnSpPr>
-        <p:spPr>
-          <a:xfrm>
-            <a:off x="5069490" y="3867894"/>
-            <a:ext cx="941478" cy="0"/>
-          </a:xfrm>
-          <a:prstGeom prst="straightConnector1">
-            <a:avLst/>
-          </a:prstGeom>
-          <a:ln w="28575">
-            <a:solidFill>
-              <a:schemeClr val="tx1"/>
-            </a:solidFill>
-            <a:headEnd type="arrow" w="med" len="med"/>
-            <a:tailEnd type="arrow" w="med" len="med"/>
-          </a:ln>
-        </p:spPr>
-        <p:style>
-          <a:lnRef idx="1">
-            <a:schemeClr val="accent1"/>
-          </a:lnRef>
-          <a:fillRef idx="0">
-            <a:schemeClr val="accent1"/>
-          </a:fillRef>
-          <a:effectRef idx="0">
-            <a:schemeClr val="accent1"/>
-          </a:effectRef>
-          <a:fontRef idx="minor">
-            <a:schemeClr val="tx1"/>
-          </a:fontRef>
-        </p:style>
-      </p:cxnSp>
-      <p:sp>
-        <p:nvSpPr>
-          <p:cNvPr id="39" name="TextBox 38">
-            <a:extLst>
-              <a:ext uri="{FF2B5EF4-FFF2-40B4-BE49-F238E27FC236}">
-                <a16:creationId xmlns:a16="http://schemas.microsoft.com/office/drawing/2014/main" id="{773B7E90-9D65-48C1-885C-7B3B4E49D5C5}"/>
-              </a:ext>
-            </a:extLst>
-          </p:cNvPr>
-          <p:cNvSpPr txBox="1"/>
-          <p:nvPr/>
-        </p:nvSpPr>
-        <p:spPr>
-          <a:xfrm>
-            <a:off x="2915816" y="3560117"/>
-            <a:ext cx="1224135" cy="307777"/>
-          </a:xfrm>
-          <a:prstGeom prst="rect">
-            <a:avLst/>
-          </a:prstGeom>
-          <a:noFill/>
-        </p:spPr>
-        <p:txBody>
-          <a:bodyPr wrap="square" rtlCol="0" anchor="ctr">
-            <a:spAutoFit/>
-          </a:bodyPr>
-          <a:lstStyle/>
-          <a:p>
-            <a:pPr algn="ctr"/>
-            <a:r>
-              <a:rPr lang="en-US" altLang="ko-KR" sz="1400"/>
-              <a:t>Replication</a:t>
-            </a:r>
-            <a:endParaRPr lang="ko-KR" altLang="en-US" sz="1400"/>
-          </a:p>
-        </p:txBody>
-      </p:sp>
-      <p:sp>
-        <p:nvSpPr>
-          <p:cNvPr id="42" name="TextBox 41">
-            <a:extLst>
-              <a:ext uri="{FF2B5EF4-FFF2-40B4-BE49-F238E27FC236}">
-                <a16:creationId xmlns:a16="http://schemas.microsoft.com/office/drawing/2014/main" id="{B05320F5-0C00-4D1F-B97E-F20064939009}"/>
-              </a:ext>
-            </a:extLst>
-          </p:cNvPr>
-          <p:cNvSpPr txBox="1"/>
-          <p:nvPr/>
-        </p:nvSpPr>
-        <p:spPr>
-          <a:xfrm>
-            <a:off x="4928161" y="3560117"/>
-            <a:ext cx="1224135" cy="307777"/>
-          </a:xfrm>
-          <a:prstGeom prst="rect">
-            <a:avLst/>
-          </a:prstGeom>
-          <a:noFill/>
-        </p:spPr>
-        <p:txBody>
-          <a:bodyPr wrap="square" rtlCol="0" anchor="ctr">
-            <a:spAutoFit/>
-          </a:bodyPr>
-          <a:lstStyle/>
-          <a:p>
-            <a:pPr algn="ctr"/>
-            <a:r>
-              <a:rPr lang="en-US" altLang="ko-KR" sz="1400"/>
-              <a:t>Replication</a:t>
-            </a:r>
-            <a:endParaRPr lang="ko-KR" altLang="en-US" sz="1400"/>
-          </a:p>
-        </p:txBody>
-      </p:sp>
     </p:spTree>
     <p:extLst>
       <p:ext uri="{BB962C8B-B14F-4D97-AF65-F5344CB8AC3E}">

--- a/images/theory_analysis/MySQL_Replication/MySQL_Replication.pptx
+++ b/images/theory_analysis/MySQL_Replication/MySQL_Replication.pptx
@@ -219,7 +219,7 @@
           <a:p>
             <a:fld id="{6CD5550B-26C4-49A9-A5BA-636EF7BE6CE9}" type="datetimeFigureOut">
               <a:rPr lang="ko-KR" altLang="en-US" smtClean="0"/>
-              <a:t>2019-03-03</a:t>
+              <a:t>2019-03-19</a:t>
             </a:fld>
             <a:endParaRPr lang="ko-KR" altLang="en-US"/>
           </a:p>
@@ -1253,7 +1253,7 @@
           <a:p>
             <a:fld id="{FB30EDBD-1C2D-4C1E-B459-B60219FAB484}" type="datetimeFigureOut">
               <a:rPr lang="ko-KR" altLang="en-US" smtClean="0"/>
-              <a:t>2019-03-03</a:t>
+              <a:t>2019-03-19</a:t>
             </a:fld>
             <a:endParaRPr lang="ko-KR" altLang="en-US"/>
           </a:p>
@@ -1416,7 +1416,7 @@
           <a:p>
             <a:fld id="{FB30EDBD-1C2D-4C1E-B459-B60219FAB484}" type="datetimeFigureOut">
               <a:rPr lang="ko-KR" altLang="en-US" smtClean="0"/>
-              <a:t>2019-03-03</a:t>
+              <a:t>2019-03-19</a:t>
             </a:fld>
             <a:endParaRPr lang="ko-KR" altLang="en-US"/>
           </a:p>
@@ -1589,7 +1589,7 @@
           <a:p>
             <a:fld id="{FB30EDBD-1C2D-4C1E-B459-B60219FAB484}" type="datetimeFigureOut">
               <a:rPr lang="ko-KR" altLang="en-US" smtClean="0"/>
-              <a:t>2019-03-03</a:t>
+              <a:t>2019-03-19</a:t>
             </a:fld>
             <a:endParaRPr lang="ko-KR" altLang="en-US"/>
           </a:p>
@@ -1752,7 +1752,7 @@
           <a:p>
             <a:fld id="{FB30EDBD-1C2D-4C1E-B459-B60219FAB484}" type="datetimeFigureOut">
               <a:rPr lang="ko-KR" altLang="en-US" smtClean="0"/>
-              <a:t>2019-03-03</a:t>
+              <a:t>2019-03-19</a:t>
             </a:fld>
             <a:endParaRPr lang="ko-KR" altLang="en-US"/>
           </a:p>
@@ -1992,7 +1992,7 @@
           <a:p>
             <a:fld id="{FB30EDBD-1C2D-4C1E-B459-B60219FAB484}" type="datetimeFigureOut">
               <a:rPr lang="ko-KR" altLang="en-US" smtClean="0"/>
-              <a:t>2019-03-03</a:t>
+              <a:t>2019-03-19</a:t>
             </a:fld>
             <a:endParaRPr lang="ko-KR" altLang="en-US"/>
           </a:p>
@@ -2272,7 +2272,7 @@
           <a:p>
             <a:fld id="{FB30EDBD-1C2D-4C1E-B459-B60219FAB484}" type="datetimeFigureOut">
               <a:rPr lang="ko-KR" altLang="en-US" smtClean="0"/>
-              <a:t>2019-03-03</a:t>
+              <a:t>2019-03-19</a:t>
             </a:fld>
             <a:endParaRPr lang="ko-KR" altLang="en-US"/>
           </a:p>
@@ -2686,7 +2686,7 @@
           <a:p>
             <a:fld id="{FB30EDBD-1C2D-4C1E-B459-B60219FAB484}" type="datetimeFigureOut">
               <a:rPr lang="ko-KR" altLang="en-US" smtClean="0"/>
-              <a:t>2019-03-03</a:t>
+              <a:t>2019-03-19</a:t>
             </a:fld>
             <a:endParaRPr lang="ko-KR" altLang="en-US"/>
           </a:p>
@@ -2798,7 +2798,7 @@
           <a:p>
             <a:fld id="{FB30EDBD-1C2D-4C1E-B459-B60219FAB484}" type="datetimeFigureOut">
               <a:rPr lang="ko-KR" altLang="en-US" smtClean="0"/>
-              <a:t>2019-03-03</a:t>
+              <a:t>2019-03-19</a:t>
             </a:fld>
             <a:endParaRPr lang="ko-KR" altLang="en-US"/>
           </a:p>
@@ -2888,7 +2888,7 @@
           <a:p>
             <a:fld id="{FB30EDBD-1C2D-4C1E-B459-B60219FAB484}" type="datetimeFigureOut">
               <a:rPr lang="ko-KR" altLang="en-US" smtClean="0"/>
-              <a:t>2019-03-03</a:t>
+              <a:t>2019-03-19</a:t>
             </a:fld>
             <a:endParaRPr lang="ko-KR" altLang="en-US"/>
           </a:p>
@@ -3158,7 +3158,7 @@
           <a:p>
             <a:fld id="{FB30EDBD-1C2D-4C1E-B459-B60219FAB484}" type="datetimeFigureOut">
               <a:rPr lang="ko-KR" altLang="en-US" smtClean="0"/>
-              <a:t>2019-03-03</a:t>
+              <a:t>2019-03-19</a:t>
             </a:fld>
             <a:endParaRPr lang="ko-KR" altLang="en-US"/>
           </a:p>
@@ -3405,7 +3405,7 @@
           <a:p>
             <a:fld id="{FB30EDBD-1C2D-4C1E-B459-B60219FAB484}" type="datetimeFigureOut">
               <a:rPr lang="ko-KR" altLang="en-US" smtClean="0"/>
-              <a:t>2019-03-03</a:t>
+              <a:t>2019-03-19</a:t>
             </a:fld>
             <a:endParaRPr lang="ko-KR" altLang="en-US"/>
           </a:p>
@@ -3611,7 +3611,7 @@
           <a:p>
             <a:fld id="{FB30EDBD-1C2D-4C1E-B459-B60219FAB484}" type="datetimeFigureOut">
               <a:rPr lang="ko-KR" altLang="en-US" smtClean="0"/>
-              <a:t>2019-03-03</a:t>
+              <a:t>2019-03-19</a:t>
             </a:fld>
             <a:endParaRPr lang="ko-KR" altLang="en-US"/>
           </a:p>
@@ -4100,8 +4100,8 @@
           <a:p>
             <a:pPr algn="ctr"/>
             <a:r>
-              <a:rPr lang="en-US" altLang="ko-KR" sz="1600" dirty="0"/>
-              <a:t>LB Slave</a:t>
+              <a:rPr lang="en-US" altLang="ko-KR" sz="1600"/>
+              <a:t>Slave LB</a:t>
             </a:r>
             <a:endParaRPr lang="ko-KR" altLang="en-US" sz="1600" dirty="0"/>
           </a:p>
